--- a/Kanpsack.pptx
+++ b/Kanpsack.pptx
@@ -5,19 +5,22 @@
     <p:sldMasterId id="2147483737" r:id="rId4"/>
   </p:sldMasterIdLst>
   <p:notesMasterIdLst>
-    <p:notesMasterId r:id="rId12"/>
+    <p:notesMasterId r:id="rId15"/>
   </p:notesMasterIdLst>
   <p:handoutMasterIdLst>
-    <p:handoutMasterId r:id="rId13"/>
+    <p:handoutMasterId r:id="rId16"/>
   </p:handoutMasterIdLst>
   <p:sldIdLst>
     <p:sldId id="258" r:id="rId5"/>
-    <p:sldId id="266" r:id="rId6"/>
-    <p:sldId id="268" r:id="rId7"/>
-    <p:sldId id="269" r:id="rId8"/>
-    <p:sldId id="270" r:id="rId9"/>
-    <p:sldId id="271" r:id="rId10"/>
-    <p:sldId id="264" r:id="rId11"/>
+    <p:sldId id="274" r:id="rId6"/>
+    <p:sldId id="266" r:id="rId7"/>
+    <p:sldId id="268" r:id="rId8"/>
+    <p:sldId id="273" r:id="rId9"/>
+    <p:sldId id="276" r:id="rId10"/>
+    <p:sldId id="270" r:id="rId11"/>
+    <p:sldId id="277" r:id="rId12"/>
+    <p:sldId id="275" r:id="rId13"/>
+    <p:sldId id="264" r:id="rId14"/>
   </p:sldIdLst>
   <p:sldSz cx="12192000" cy="6858000"/>
   <p:notesSz cx="6858000" cy="9144000"/>
@@ -220,7 +223,7 @@
           <a:p>
             <a:fld id="{8906F081-8781-4431-8FD4-2CF608CD7C47}" type="datetimeFigureOut">
               <a:rPr lang="en-US" smtClean="0"/>
-              <a:t>12/26/2018</a:t>
+              <a:t>12/1/2019</a:t>
             </a:fld>
             <a:endParaRPr lang="en-US"/>
           </a:p>
@@ -385,7 +388,7 @@
           <a:p>
             <a:fld id="{F06CA47C-B7FD-4BE9-B0E6-81BA758D95F2}" type="datetimeFigureOut">
               <a:rPr lang="en-US" smtClean="0"/>
-              <a:t>12/26/2018</a:t>
+              <a:t>12/1/2019</a:t>
             </a:fld>
             <a:endParaRPr lang="en-US"/>
           </a:p>
@@ -1458,7 +1461,7 @@
           <a:p>
             <a:fld id="{33024136-D290-48F3-A182-4C46BEB5146B}" type="datetime1">
               <a:rPr lang="en-US" smtClean="0"/>
-              <a:t>12/26/2018</a:t>
+              <a:t>12/1/2019</a:t>
             </a:fld>
             <a:endParaRPr lang="en-US" dirty="0"/>
           </a:p>
@@ -1732,7 +1735,7 @@
           <a:p>
             <a:fld id="{4CD11720-76E7-46E6-B0AA-057287C42052}" type="datetime1">
               <a:rPr lang="en-US" smtClean="0"/>
-              <a:t>12/26/2018</a:t>
+              <a:t>12/1/2019</a:t>
             </a:fld>
             <a:endParaRPr lang="en-US" dirty="0"/>
           </a:p>
@@ -2052,7 +2055,7 @@
           <a:p>
             <a:fld id="{4CD11720-76E7-46E6-B0AA-057287C42052}" type="datetime1">
               <a:rPr lang="en-US" smtClean="0"/>
-              <a:t>12/26/2018</a:t>
+              <a:t>12/1/2019</a:t>
             </a:fld>
             <a:endParaRPr lang="en-US" dirty="0"/>
           </a:p>
@@ -2399,7 +2402,7 @@
           <a:p>
             <a:fld id="{4CD11720-76E7-46E6-B0AA-057287C42052}" type="datetime1">
               <a:rPr lang="en-US" smtClean="0"/>
-              <a:t>12/26/2018</a:t>
+              <a:t>12/1/2019</a:t>
             </a:fld>
             <a:endParaRPr lang="en-US" dirty="0"/>
           </a:p>
@@ -2719,7 +2722,7 @@
           <a:p>
             <a:fld id="{4CD11720-76E7-46E6-B0AA-057287C42052}" type="datetime1">
               <a:rPr lang="en-US" smtClean="0"/>
-              <a:t>12/26/2018</a:t>
+              <a:t>12/1/2019</a:t>
             </a:fld>
             <a:endParaRPr lang="en-US" dirty="0"/>
           </a:p>
@@ -3118,7 +3121,7 @@
           <a:p>
             <a:fld id="{4CD11720-76E7-46E6-B0AA-057287C42052}" type="datetime1">
               <a:rPr lang="en-US" smtClean="0"/>
-              <a:t>12/26/2018</a:t>
+              <a:t>12/1/2019</a:t>
             </a:fld>
             <a:endParaRPr lang="en-US" dirty="0"/>
           </a:p>
@@ -3294,7 +3297,7 @@
           <a:p>
             <a:fld id="{9CC7D44C-38B1-4D0F-9006-D5774F331095}" type="datetime1">
               <a:rPr lang="en-US" smtClean="0"/>
-              <a:t>12/26/2018</a:t>
+              <a:t>12/1/2019</a:t>
             </a:fld>
             <a:endParaRPr lang="en-US"/>
           </a:p>
@@ -3497,7 +3500,7 @@
           <a:p>
             <a:fld id="{F98D518A-FD4F-4358-B95B-9DB5A17160FB}" type="datetime1">
               <a:rPr lang="en-US" smtClean="0"/>
-              <a:t>12/26/2018</a:t>
+              <a:t>12/1/2019</a:t>
             </a:fld>
             <a:endParaRPr lang="en-US"/>
           </a:p>
@@ -3696,7 +3699,7 @@
           <a:p>
             <a:fld id="{5E2A9F4F-03AD-4497-A65D-076601BD41D2}" type="datetime1">
               <a:rPr lang="en-US" smtClean="0"/>
-              <a:t>12/26/2018</a:t>
+              <a:t>12/1/2019</a:t>
             </a:fld>
             <a:endParaRPr lang="en-US"/>
           </a:p>
@@ -3966,7 +3969,7 @@
           <a:p>
             <a:fld id="{EDFBF3AC-A781-43AA-8BD5-B12F49168B94}" type="datetime1">
               <a:rPr lang="en-US" smtClean="0"/>
-              <a:t>12/26/2018</a:t>
+              <a:t>12/1/2019</a:t>
             </a:fld>
             <a:endParaRPr lang="en-US"/>
           </a:p>
@@ -4221,7 +4224,7 @@
           <a:p>
             <a:fld id="{C5256A41-C91B-43FF-9881-F5DA9878418F}" type="datetime1">
               <a:rPr lang="en-US" smtClean="0"/>
-              <a:t>12/26/2018</a:t>
+              <a:t>12/1/2019</a:t>
             </a:fld>
             <a:endParaRPr lang="en-US"/>
           </a:p>
@@ -4619,7 +4622,7 @@
           <a:p>
             <a:fld id="{FFD7AA76-41EE-4C13-950E-E611B8B8FC52}" type="datetime1">
               <a:rPr lang="en-US" smtClean="0"/>
-              <a:t>12/26/2018</a:t>
+              <a:t>12/1/2019</a:t>
             </a:fld>
             <a:endParaRPr lang="en-US"/>
           </a:p>
@@ -4766,7 +4769,7 @@
           <a:p>
             <a:fld id="{89407A26-E7BC-4498-97E4-87AF12377CA9}" type="datetime1">
               <a:rPr lang="en-US" smtClean="0"/>
-              <a:t>12/26/2018</a:t>
+              <a:t>12/1/2019</a:t>
             </a:fld>
             <a:endParaRPr lang="en-US"/>
           </a:p>
@@ -4885,7 +4888,7 @@
           <a:p>
             <a:fld id="{93EA4171-1117-4486-993C-35A7470D8847}" type="datetime1">
               <a:rPr lang="en-US" smtClean="0"/>
-              <a:t>12/26/2018</a:t>
+              <a:t>12/1/2019</a:t>
             </a:fld>
             <a:endParaRPr lang="en-US"/>
           </a:p>
@@ -5164,7 +5167,7 @@
           <a:p>
             <a:fld id="{472A4CB8-1563-4663-81DB-74EB416C19BE}" type="datetime1">
               <a:rPr lang="en-US" smtClean="0"/>
-              <a:t>12/26/2018</a:t>
+              <a:t>12/1/2019</a:t>
             </a:fld>
             <a:endParaRPr lang="en-US"/>
           </a:p>
@@ -5451,7 +5454,7 @@
           <a:p>
             <a:fld id="{0C6724CE-2468-448B-87C1-A92EDD78369B}" type="datetime1">
               <a:rPr lang="en-US" smtClean="0"/>
-              <a:t>12/26/2018</a:t>
+              <a:t>12/1/2019</a:t>
             </a:fld>
             <a:endParaRPr lang="en-US"/>
           </a:p>
@@ -6266,7 +6269,7 @@
           <a:p>
             <a:fld id="{4CD11720-76E7-46E6-B0AA-057287C42052}" type="datetime1">
               <a:rPr lang="en-US" smtClean="0"/>
-              <a:t>12/26/2018</a:t>
+              <a:t>12/1/2019</a:t>
             </a:fld>
             <a:endParaRPr lang="en-US" dirty="0"/>
           </a:p>
@@ -6842,16 +6845,17 @@
               </a:rPr>
               <a:t>Knapsack</a:t>
             </a:r>
-            <a:br>
+            <a:r>
+              <a:rPr lang="en-US" sz="4800" dirty="0">
+                <a:latin typeface="Algerian" panose="04020705040A02060702" pitchFamily="82" charset="0"/>
+              </a:rPr>
+              <a:t> </a:t>
+            </a:r>
+            <a:r>
               <a:rPr lang="en-US" sz="4800" dirty="0" smtClean="0">
                 <a:latin typeface="Algerian" panose="04020705040A02060702" pitchFamily="82" charset="0"/>
               </a:rPr>
-            </a:br>
-            <a:r>
-              <a:rPr lang="en-US" sz="4800" dirty="0" smtClean="0">
-                <a:latin typeface="Algerian" panose="04020705040A02060702" pitchFamily="82" charset="0"/>
-              </a:rPr>
-              <a:t> OR rucksack Problem:</a:t>
+              <a:t>Problem:</a:t>
             </a:r>
             <a:endParaRPr lang="en-US" sz="4800" dirty="0">
               <a:latin typeface="Algerian" panose="04020705040A02060702" pitchFamily="82" charset="0"/>
@@ -6867,8 +6871,8 @@
         </p:nvSpPr>
         <p:spPr>
           <a:xfrm>
-            <a:off x="7061661" y="4580313"/>
-            <a:ext cx="2036618" cy="1754326"/>
+            <a:off x="7399410" y="4909827"/>
+            <a:ext cx="2172957" cy="369332"/>
           </a:xfrm>
           <a:prstGeom prst="rect">
             <a:avLst/>
@@ -6882,7 +6886,7 @@
           <a:lstStyle/>
           <a:p>
             <a:r>
-              <a:rPr lang="en-US" b="1" u="sng" dirty="0" smtClean="0">
+              <a:rPr lang="en-US" b="1" dirty="0" smtClean="0">
                 <a:solidFill>
                   <a:schemeClr val="bg2">
                     <a:lumMod val="50000"/>
@@ -6891,61 +6895,17 @@
                 <a:latin typeface="Times New Roman" panose="02020603050405020304" pitchFamily="18" charset="0"/>
                 <a:cs typeface="Times New Roman" panose="02020603050405020304" pitchFamily="18" charset="0"/>
               </a:rPr>
-              <a:t>Group Members:</a:t>
-            </a:r>
-          </a:p>
-          <a:p>
-            <a:r>
-              <a:rPr lang="en-US" dirty="0">
-                <a:latin typeface="Times New Roman" panose="02020603050405020304" pitchFamily="18" charset="0"/>
-                <a:cs typeface="Times New Roman" panose="02020603050405020304" pitchFamily="18" charset="0"/>
-              </a:rPr>
-              <a:t>Muhammad Asad</a:t>
-            </a:r>
-            <a:endParaRPr lang="en-US" dirty="0" smtClean="0">
+              <a:t>*Your Name Here*</a:t>
+            </a:r>
+            <a:endParaRPr lang="en-US" b="1" dirty="0" smtClean="0">
+              <a:solidFill>
+                <a:schemeClr val="bg2">
+                  <a:lumMod val="50000"/>
+                </a:schemeClr>
+              </a:solidFill>
               <a:latin typeface="Times New Roman" panose="02020603050405020304" pitchFamily="18" charset="0"/>
               <a:cs typeface="Times New Roman" panose="02020603050405020304" pitchFamily="18" charset="0"/>
             </a:endParaRPr>
-          </a:p>
-          <a:p>
-            <a:r>
-              <a:rPr lang="en-US" dirty="0">
-                <a:latin typeface="Times New Roman" panose="02020603050405020304" pitchFamily="18" charset="0"/>
-                <a:cs typeface="Times New Roman" panose="02020603050405020304" pitchFamily="18" charset="0"/>
-              </a:rPr>
-              <a:t>Ali Hassan Ghori</a:t>
-            </a:r>
-            <a:endParaRPr lang="en-US" dirty="0" smtClean="0">
-              <a:latin typeface="Times New Roman" panose="02020603050405020304" pitchFamily="18" charset="0"/>
-              <a:cs typeface="Times New Roman" panose="02020603050405020304" pitchFamily="18" charset="0"/>
-            </a:endParaRPr>
-          </a:p>
-          <a:p>
-            <a:r>
-              <a:rPr lang="en-US" dirty="0" smtClean="0">
-                <a:latin typeface="Times New Roman" panose="02020603050405020304" pitchFamily="18" charset="0"/>
-                <a:cs typeface="Times New Roman" panose="02020603050405020304" pitchFamily="18" charset="0"/>
-              </a:rPr>
-              <a:t>Uzair Mehmood </a:t>
-            </a:r>
-          </a:p>
-          <a:p>
-            <a:r>
-              <a:rPr lang="en-US" dirty="0" smtClean="0">
-                <a:latin typeface="Times New Roman" panose="02020603050405020304" pitchFamily="18" charset="0"/>
-                <a:cs typeface="Times New Roman" panose="02020603050405020304" pitchFamily="18" charset="0"/>
-              </a:rPr>
-              <a:t>Ahsan Ishtiaq</a:t>
-            </a:r>
-          </a:p>
-          <a:p>
-            <a:r>
-              <a:rPr lang="en-US" dirty="0" smtClean="0">
-                <a:latin typeface="Times New Roman" panose="02020603050405020304" pitchFamily="18" charset="0"/>
-                <a:cs typeface="Times New Roman" panose="02020603050405020304" pitchFamily="18" charset="0"/>
-              </a:rPr>
-              <a:t>Mohsin Ali</a:t>
-            </a:r>
           </a:p>
         </p:txBody>
       </p:sp>
@@ -6972,988 +6932,7 @@
 </p:sld>
 </file>
 
-<file path=ppt/slides/slide2.xml><?xml version="1.0" encoding="utf-8"?>
-<p:sld xmlns:a="http://schemas.openxmlformats.org/drawingml/2006/main" xmlns:r="http://schemas.openxmlformats.org/officeDocument/2006/relationships" xmlns:p="http://schemas.openxmlformats.org/presentationml/2006/main">
-  <p:cSld>
-    <p:spTree>
-      <p:nvGrpSpPr>
-        <p:cNvPr id="1" name=""/>
-        <p:cNvGrpSpPr/>
-        <p:nvPr/>
-      </p:nvGrpSpPr>
-      <p:grpSpPr>
-        <a:xfrm>
-          <a:off x="0" y="0"/>
-          <a:ext cx="0" cy="0"/>
-          <a:chOff x="0" y="0"/>
-          <a:chExt cx="0" cy="0"/>
-        </a:xfrm>
-      </p:grpSpPr>
-      <p:sp>
-        <p:nvSpPr>
-          <p:cNvPr id="2" name="Title 1"/>
-          <p:cNvSpPr>
-            <a:spLocks noGrp="1"/>
-          </p:cNvSpPr>
-          <p:nvPr>
-            <p:ph type="title"/>
-          </p:nvPr>
-        </p:nvSpPr>
-        <p:spPr/>
-        <p:txBody>
-          <a:bodyPr/>
-          <a:lstStyle/>
-          <a:p>
-            <a:r>
-              <a:rPr lang="en-US" b="1" dirty="0" smtClean="0">
-                <a:latin typeface="Times New Roman" panose="02020603050405020304" pitchFamily="18" charset="0"/>
-                <a:cs typeface="Times New Roman" panose="02020603050405020304" pitchFamily="18" charset="0"/>
-              </a:rPr>
-              <a:t>What is Knapsack:</a:t>
-            </a:r>
-            <a:endParaRPr lang="en-US" b="1" dirty="0">
-              <a:latin typeface="Times New Roman" panose="02020603050405020304" pitchFamily="18" charset="0"/>
-              <a:cs typeface="Times New Roman" panose="02020603050405020304" pitchFamily="18" charset="0"/>
-            </a:endParaRPr>
-          </a:p>
-        </p:txBody>
-      </p:sp>
-      <p:sp>
-        <p:nvSpPr>
-          <p:cNvPr id="3" name="Content Placeholder 2"/>
-          <p:cNvSpPr>
-            <a:spLocks noGrp="1"/>
-          </p:cNvSpPr>
-          <p:nvPr>
-            <p:ph idx="1"/>
-          </p:nvPr>
-        </p:nvSpPr>
-        <p:spPr/>
-        <p:txBody>
-          <a:bodyPr>
-            <a:normAutofit/>
-          </a:bodyPr>
-          <a:lstStyle/>
-          <a:p>
-            <a:r>
-              <a:rPr lang="en-US" sz="2400" dirty="0" smtClean="0">
-                <a:latin typeface="Times New Roman" panose="02020603050405020304" pitchFamily="18" charset="0"/>
-                <a:cs typeface="Times New Roman" panose="02020603050405020304" pitchFamily="18" charset="0"/>
-              </a:rPr>
-              <a:t>In a </a:t>
-            </a:r>
-            <a:r>
-              <a:rPr lang="en-US" sz="2400" dirty="0" smtClean="0">
-                <a:solidFill>
-                  <a:schemeClr val="bg2">
-                    <a:lumMod val="50000"/>
-                  </a:schemeClr>
-                </a:solidFill>
-                <a:latin typeface="Times New Roman" panose="02020603050405020304" pitchFamily="18" charset="0"/>
-                <a:cs typeface="Times New Roman" panose="02020603050405020304" pitchFamily="18" charset="0"/>
-              </a:rPr>
-              <a:t>rucksack problem</a:t>
-            </a:r>
-            <a:r>
-              <a:rPr lang="en-US" sz="2400" dirty="0" smtClean="0">
-                <a:latin typeface="Times New Roman" panose="02020603050405020304" pitchFamily="18" charset="0"/>
-                <a:cs typeface="Times New Roman" panose="02020603050405020304" pitchFamily="18" charset="0"/>
-              </a:rPr>
-              <a:t>, we are given a set of </a:t>
-            </a:r>
-            <a:r>
-              <a:rPr lang="en-US" sz="2400" b="1" i="1" dirty="0" smtClean="0">
-                <a:latin typeface="Times New Roman" panose="02020603050405020304" pitchFamily="18" charset="0"/>
-                <a:cs typeface="Times New Roman" panose="02020603050405020304" pitchFamily="18" charset="0"/>
-              </a:rPr>
-              <a:t>n</a:t>
-            </a:r>
-            <a:r>
-              <a:rPr lang="en-US" sz="2400" dirty="0" smtClean="0">
-                <a:latin typeface="Times New Roman" panose="02020603050405020304" pitchFamily="18" charset="0"/>
-                <a:cs typeface="Times New Roman" panose="02020603050405020304" pitchFamily="18" charset="0"/>
-              </a:rPr>
-              <a:t> items, where each item </a:t>
-            </a:r>
-            <a:r>
-              <a:rPr lang="en-US" sz="2400" b="1" i="1" dirty="0" smtClean="0">
-                <a:latin typeface="Times New Roman" panose="02020603050405020304" pitchFamily="18" charset="0"/>
-                <a:cs typeface="Times New Roman" panose="02020603050405020304" pitchFamily="18" charset="0"/>
-              </a:rPr>
-              <a:t>i</a:t>
-            </a:r>
-            <a:r>
-              <a:rPr lang="en-US" sz="2400" dirty="0" smtClean="0">
-                <a:latin typeface="Times New Roman" panose="02020603050405020304" pitchFamily="18" charset="0"/>
-                <a:cs typeface="Times New Roman" panose="02020603050405020304" pitchFamily="18" charset="0"/>
-              </a:rPr>
-              <a:t> is specified by a size </a:t>
-            </a:r>
-            <a:r>
-              <a:rPr lang="en-US" sz="2400" b="1" i="1" dirty="0" smtClean="0">
-                <a:latin typeface="Times New Roman" panose="02020603050405020304" pitchFamily="18" charset="0"/>
-                <a:cs typeface="Times New Roman" panose="02020603050405020304" pitchFamily="18" charset="0"/>
-              </a:rPr>
-              <a:t>s</a:t>
-            </a:r>
-            <a:r>
-              <a:rPr lang="en-US" sz="2400" b="1" i="1" baseline="-25000" dirty="0" smtClean="0">
-                <a:latin typeface="Times New Roman" panose="02020603050405020304" pitchFamily="18" charset="0"/>
-                <a:cs typeface="Times New Roman" panose="02020603050405020304" pitchFamily="18" charset="0"/>
-              </a:rPr>
-              <a:t>i</a:t>
-            </a:r>
-            <a:r>
-              <a:rPr lang="en-US" sz="2400" dirty="0" smtClean="0">
-                <a:latin typeface="Times New Roman" panose="02020603050405020304" pitchFamily="18" charset="0"/>
-                <a:cs typeface="Times New Roman" panose="02020603050405020304" pitchFamily="18" charset="0"/>
-              </a:rPr>
-              <a:t> and a value </a:t>
-            </a:r>
-            <a:r>
-              <a:rPr lang="en-US" sz="2400" b="1" i="1" dirty="0" smtClean="0">
-                <a:latin typeface="Times New Roman" panose="02020603050405020304" pitchFamily="18" charset="0"/>
-                <a:cs typeface="Times New Roman" panose="02020603050405020304" pitchFamily="18" charset="0"/>
-              </a:rPr>
-              <a:t>v</a:t>
-            </a:r>
-            <a:r>
-              <a:rPr lang="en-US" sz="2400" b="1" i="1" baseline="-25000" dirty="0" smtClean="0">
-                <a:latin typeface="Times New Roman" panose="02020603050405020304" pitchFamily="18" charset="0"/>
-                <a:cs typeface="Times New Roman" panose="02020603050405020304" pitchFamily="18" charset="0"/>
-              </a:rPr>
-              <a:t>i</a:t>
-            </a:r>
-            <a:r>
-              <a:rPr lang="en-US" sz="2400" b="1" i="1" dirty="0" smtClean="0">
-                <a:latin typeface="Times New Roman" panose="02020603050405020304" pitchFamily="18" charset="0"/>
-                <a:cs typeface="Times New Roman" panose="02020603050405020304" pitchFamily="18" charset="0"/>
-              </a:rPr>
-              <a:t> </a:t>
-            </a:r>
-            <a:r>
-              <a:rPr lang="en-US" sz="2400" dirty="0" smtClean="0">
-                <a:latin typeface="Times New Roman" panose="02020603050405020304" pitchFamily="18" charset="0"/>
-                <a:cs typeface="Times New Roman" panose="02020603050405020304" pitchFamily="18" charset="0"/>
-              </a:rPr>
-              <a:t>.We are</a:t>
-            </a:r>
-            <a:r>
-              <a:rPr lang="en-US" sz="2400" b="1" i="1" dirty="0">
-                <a:latin typeface="Times New Roman" panose="02020603050405020304" pitchFamily="18" charset="0"/>
-                <a:cs typeface="Times New Roman" panose="02020603050405020304" pitchFamily="18" charset="0"/>
-              </a:rPr>
-              <a:t> </a:t>
-            </a:r>
-            <a:r>
-              <a:rPr lang="en-US" sz="2400" dirty="0" smtClean="0">
-                <a:latin typeface="Times New Roman" panose="02020603050405020304" pitchFamily="18" charset="0"/>
-                <a:cs typeface="Times New Roman" panose="02020603050405020304" pitchFamily="18" charset="0"/>
-              </a:rPr>
-              <a:t>also given a size bound </a:t>
-            </a:r>
-            <a:r>
-              <a:rPr lang="en-US" sz="2400" b="1" dirty="0" smtClean="0">
-                <a:latin typeface="Times New Roman" panose="02020603050405020304" pitchFamily="18" charset="0"/>
-                <a:cs typeface="Times New Roman" panose="02020603050405020304" pitchFamily="18" charset="0"/>
-              </a:rPr>
-              <a:t>S</a:t>
-            </a:r>
-            <a:r>
-              <a:rPr lang="en-US" sz="2400" i="1" dirty="0" smtClean="0">
-                <a:latin typeface="Times New Roman" panose="02020603050405020304" pitchFamily="18" charset="0"/>
-                <a:cs typeface="Times New Roman" panose="02020603050405020304" pitchFamily="18" charset="0"/>
-              </a:rPr>
-              <a:t>, </a:t>
-            </a:r>
-            <a:r>
-              <a:rPr lang="en-US" sz="2400" dirty="0" smtClean="0">
-                <a:latin typeface="Times New Roman" panose="02020603050405020304" pitchFamily="18" charset="0"/>
-                <a:cs typeface="Times New Roman" panose="02020603050405020304" pitchFamily="18" charset="0"/>
-              </a:rPr>
-              <a:t>the size of our knapsack.</a:t>
-            </a:r>
-            <a:endParaRPr lang="en-US" sz="2400" baseline="-25000" dirty="0">
-              <a:latin typeface="Times New Roman" panose="02020603050405020304" pitchFamily="18" charset="0"/>
-              <a:cs typeface="Times New Roman" panose="02020603050405020304" pitchFamily="18" charset="0"/>
-            </a:endParaRPr>
-          </a:p>
-        </p:txBody>
-      </p:sp>
-      <p:pic>
-        <p:nvPicPr>
-          <p:cNvPr id="4" name="Picture 3"/>
-          <p:cNvPicPr>
-            <a:picLocks noChangeAspect="1"/>
-          </p:cNvPicPr>
-          <p:nvPr/>
-        </p:nvPicPr>
-        <p:blipFill>
-          <a:blip r:embed="rId2">
-            <a:extLst>
-              <a:ext uri="{28A0092B-C50C-407E-A947-70E740481C1C}">
-                <a14:useLocalDpi xmlns:a14="http://schemas.microsoft.com/office/drawing/2010/main" val="0"/>
-              </a:ext>
-            </a:extLst>
-          </a:blip>
-          <a:stretch>
-            <a:fillRect/>
-          </a:stretch>
-        </p:blipFill>
-        <p:spPr>
-          <a:xfrm>
-            <a:off x="3300259" y="4100975"/>
-            <a:ext cx="4057650" cy="1447800"/>
-          </a:xfrm>
-          <a:prstGeom prst="rect">
-            <a:avLst/>
-          </a:prstGeom>
-        </p:spPr>
-      </p:pic>
-    </p:spTree>
-    <p:extLst>
-      <p:ext uri="{BB962C8B-B14F-4D97-AF65-F5344CB8AC3E}">
-        <p14:creationId xmlns:p14="http://schemas.microsoft.com/office/powerpoint/2010/main" val="3840413201"/>
-      </p:ext>
-    </p:extLst>
-  </p:cSld>
-  <p:clrMapOvr>
-    <a:masterClrMapping/>
-  </p:clrMapOvr>
-  <mc:AlternateContent xmlns:mc="http://schemas.openxmlformats.org/markup-compatibility/2006" xmlns:p14="http://schemas.microsoft.com/office/powerpoint/2010/main">
-    <mc:Choice Requires="p14">
-      <p:transition spd="slow" p14:dur="900">
-        <p14:warp dir="in"/>
-      </p:transition>
-    </mc:Choice>
-    <mc:Fallback xmlns="">
-      <p:transition spd="slow">
-        <p:fade/>
-      </p:transition>
-    </mc:Fallback>
-  </mc:AlternateContent>
-  <p:timing>
-    <p:tnLst>
-      <p:par>
-        <p:cTn id="1" dur="indefinite" restart="never" nodeType="tmRoot"/>
-      </p:par>
-    </p:tnLst>
-  </p:timing>
-</p:sld>
-</file>
-
-<file path=ppt/slides/slide3.xml><?xml version="1.0" encoding="utf-8"?>
-<p:sld xmlns:a="http://schemas.openxmlformats.org/drawingml/2006/main" xmlns:r="http://schemas.openxmlformats.org/officeDocument/2006/relationships" xmlns:p="http://schemas.openxmlformats.org/presentationml/2006/main">
-  <p:cSld>
-    <p:spTree>
-      <p:nvGrpSpPr>
-        <p:cNvPr id="1" name=""/>
-        <p:cNvGrpSpPr/>
-        <p:nvPr/>
-      </p:nvGrpSpPr>
-      <p:grpSpPr>
-        <a:xfrm>
-          <a:off x="0" y="0"/>
-          <a:ext cx="0" cy="0"/>
-          <a:chOff x="0" y="0"/>
-          <a:chExt cx="0" cy="0"/>
-        </a:xfrm>
-      </p:grpSpPr>
-      <p:sp>
-        <p:nvSpPr>
-          <p:cNvPr id="2" name="Title 1"/>
-          <p:cNvSpPr>
-            <a:spLocks noGrp="1"/>
-          </p:cNvSpPr>
-          <p:nvPr>
-            <p:ph type="title"/>
-          </p:nvPr>
-        </p:nvSpPr>
-        <p:spPr/>
-        <p:txBody>
-          <a:bodyPr/>
-          <a:lstStyle/>
-          <a:p>
-            <a:r>
-              <a:rPr lang="en-US" b="1" dirty="0" smtClean="0">
-                <a:latin typeface="Times New Roman" panose="02020603050405020304" pitchFamily="18" charset="0"/>
-                <a:cs typeface="Times New Roman" panose="02020603050405020304" pitchFamily="18" charset="0"/>
-              </a:rPr>
-              <a:t>Example:</a:t>
-            </a:r>
-            <a:endParaRPr lang="en-US" b="1" dirty="0">
-              <a:latin typeface="Times New Roman" panose="02020603050405020304" pitchFamily="18" charset="0"/>
-              <a:cs typeface="Times New Roman" panose="02020603050405020304" pitchFamily="18" charset="0"/>
-            </a:endParaRPr>
-          </a:p>
-        </p:txBody>
-      </p:sp>
-      <p:pic>
-        <p:nvPicPr>
-          <p:cNvPr id="1026" name="Picture 2" descr="Image result for knapsack problems"/>
-          <p:cNvPicPr>
-            <a:picLocks noChangeAspect="1" noChangeArrowheads="1"/>
-          </p:cNvPicPr>
-          <p:nvPr/>
-        </p:nvPicPr>
-        <p:blipFill>
-          <a:blip r:embed="rId2">
-            <a:extLst>
-              <a:ext uri="{28A0092B-C50C-407E-A947-70E740481C1C}">
-                <a14:useLocalDpi xmlns:a14="http://schemas.microsoft.com/office/drawing/2010/main" val="0"/>
-              </a:ext>
-            </a:extLst>
-          </a:blip>
-          <a:srcRect/>
-          <a:stretch>
-            <a:fillRect/>
-          </a:stretch>
-        </p:blipFill>
-        <p:spPr bwMode="auto">
-          <a:xfrm>
-            <a:off x="1710055" y="1039409"/>
-            <a:ext cx="6768927" cy="5866404"/>
-          </a:xfrm>
-          <a:prstGeom prst="rect">
-            <a:avLst/>
-          </a:prstGeom>
-          <a:noFill/>
-          <a:extLst>
-            <a:ext uri="{909E8E84-426E-40DD-AFC4-6F175D3DCCD1}">
-              <a14:hiddenFill xmlns:a14="http://schemas.microsoft.com/office/drawing/2010/main">
-                <a:solidFill>
-                  <a:srgbClr val="FFFFFF"/>
-                </a:solidFill>
-              </a14:hiddenFill>
-            </a:ext>
-          </a:extLst>
-        </p:spPr>
-      </p:pic>
-    </p:spTree>
-    <p:extLst>
-      <p:ext uri="{BB962C8B-B14F-4D97-AF65-F5344CB8AC3E}">
-        <p14:creationId xmlns:p14="http://schemas.microsoft.com/office/powerpoint/2010/main" val="3796444094"/>
-      </p:ext>
-    </p:extLst>
-  </p:cSld>
-  <p:clrMapOvr>
-    <a:masterClrMapping/>
-  </p:clrMapOvr>
-  <mc:AlternateContent xmlns:mc="http://schemas.openxmlformats.org/markup-compatibility/2006" xmlns:p14="http://schemas.microsoft.com/office/powerpoint/2010/main">
-    <mc:Choice Requires="p14">
-      <p:transition spd="med" p14:dur="700">
-        <p:fade/>
-      </p:transition>
-    </mc:Choice>
-    <mc:Fallback xmlns="">
-      <p:transition spd="med">
-        <p:fade/>
-      </p:transition>
-    </mc:Fallback>
-  </mc:AlternateContent>
-</p:sld>
-</file>
-
-<file path=ppt/slides/slide4.xml><?xml version="1.0" encoding="utf-8"?>
-<p:sld xmlns:a="http://schemas.openxmlformats.org/drawingml/2006/main" xmlns:r="http://schemas.openxmlformats.org/officeDocument/2006/relationships" xmlns:p="http://schemas.openxmlformats.org/presentationml/2006/main">
-  <p:cSld>
-    <p:spTree>
-      <p:nvGrpSpPr>
-        <p:cNvPr id="1" name=""/>
-        <p:cNvGrpSpPr/>
-        <p:nvPr/>
-      </p:nvGrpSpPr>
-      <p:grpSpPr>
-        <a:xfrm>
-          <a:off x="0" y="0"/>
-          <a:ext cx="0" cy="0"/>
-          <a:chOff x="0" y="0"/>
-          <a:chExt cx="0" cy="0"/>
-        </a:xfrm>
-      </p:grpSpPr>
-      <p:sp>
-        <p:nvSpPr>
-          <p:cNvPr id="2" name="Title 1"/>
-          <p:cNvSpPr>
-            <a:spLocks noGrp="1"/>
-          </p:cNvSpPr>
-          <p:nvPr>
-            <p:ph type="title"/>
-          </p:nvPr>
-        </p:nvSpPr>
-        <p:spPr/>
-        <p:txBody>
-          <a:bodyPr/>
-          <a:lstStyle/>
-          <a:p>
-            <a:r>
-              <a:rPr lang="en-US" b="1" dirty="0" smtClean="0">
-                <a:latin typeface="Times New Roman" panose="02020603050405020304" pitchFamily="18" charset="0"/>
-                <a:cs typeface="Times New Roman" panose="02020603050405020304" pitchFamily="18" charset="0"/>
-              </a:rPr>
-              <a:t>Knapsack Problem:</a:t>
-            </a:r>
-            <a:endParaRPr lang="en-US" b="1" dirty="0">
-              <a:latin typeface="Times New Roman" panose="02020603050405020304" pitchFamily="18" charset="0"/>
-              <a:cs typeface="Times New Roman" panose="02020603050405020304" pitchFamily="18" charset="0"/>
-            </a:endParaRPr>
-          </a:p>
-        </p:txBody>
-      </p:sp>
-      <p:sp>
-        <p:nvSpPr>
-          <p:cNvPr id="3" name="Content Placeholder 2"/>
-          <p:cNvSpPr>
-            <a:spLocks noGrp="1"/>
-          </p:cNvSpPr>
-          <p:nvPr>
-            <p:ph idx="1"/>
-          </p:nvPr>
-        </p:nvSpPr>
-        <p:spPr/>
-        <p:txBody>
-          <a:bodyPr>
-            <a:normAutofit/>
-          </a:bodyPr>
-          <a:lstStyle/>
-          <a:p>
-            <a:r>
-              <a:rPr lang="en-US" sz="2400" dirty="0" smtClean="0">
-                <a:latin typeface="Times New Roman" panose="02020603050405020304" pitchFamily="18" charset="0"/>
-                <a:cs typeface="Times New Roman" panose="02020603050405020304" pitchFamily="18" charset="0"/>
-              </a:rPr>
-              <a:t>There are two versions of the problem.</a:t>
-            </a:r>
-          </a:p>
-          <a:p>
-            <a:pPr marL="0" indent="0">
-              <a:buNone/>
-            </a:pPr>
-            <a:r>
-              <a:rPr lang="en-US" sz="2400" dirty="0" smtClean="0">
-                <a:latin typeface="Times New Roman" panose="02020603050405020304" pitchFamily="18" charset="0"/>
-                <a:cs typeface="Times New Roman" panose="02020603050405020304" pitchFamily="18" charset="0"/>
-              </a:rPr>
-              <a:t>        </a:t>
-            </a:r>
-            <a:r>
-              <a:rPr lang="en-US" sz="2400" dirty="0" smtClean="0">
-                <a:solidFill>
-                  <a:schemeClr val="bg2">
-                    <a:lumMod val="50000"/>
-                  </a:schemeClr>
-                </a:solidFill>
-                <a:latin typeface="Times New Roman" panose="02020603050405020304" pitchFamily="18" charset="0"/>
-                <a:cs typeface="Times New Roman" panose="02020603050405020304" pitchFamily="18" charset="0"/>
-              </a:rPr>
-              <a:t>1) </a:t>
-            </a:r>
-            <a:r>
-              <a:rPr lang="en-US" sz="2400" dirty="0" smtClean="0">
-                <a:solidFill>
-                  <a:schemeClr val="tx1"/>
-                </a:solidFill>
-                <a:latin typeface="Times New Roman" panose="02020603050405020304" pitchFamily="18" charset="0"/>
-                <a:cs typeface="Times New Roman" panose="02020603050405020304" pitchFamily="18" charset="0"/>
-              </a:rPr>
-              <a:t>0-1 knapsack problem.</a:t>
-            </a:r>
-          </a:p>
-          <a:p>
-            <a:pPr marL="0" indent="0">
-              <a:buNone/>
-            </a:pPr>
-            <a:r>
-              <a:rPr lang="en-US" sz="2400" dirty="0">
-                <a:solidFill>
-                  <a:schemeClr val="bg2">
-                    <a:lumMod val="50000"/>
-                  </a:schemeClr>
-                </a:solidFill>
-                <a:latin typeface="Times New Roman" panose="02020603050405020304" pitchFamily="18" charset="0"/>
-                <a:cs typeface="Times New Roman" panose="02020603050405020304" pitchFamily="18" charset="0"/>
-              </a:rPr>
-              <a:t> </a:t>
-            </a:r>
-            <a:r>
-              <a:rPr lang="en-US" sz="2400" dirty="0" smtClean="0">
-                <a:solidFill>
-                  <a:schemeClr val="bg2">
-                    <a:lumMod val="50000"/>
-                  </a:schemeClr>
-                </a:solidFill>
-                <a:latin typeface="Times New Roman" panose="02020603050405020304" pitchFamily="18" charset="0"/>
-                <a:cs typeface="Times New Roman" panose="02020603050405020304" pitchFamily="18" charset="0"/>
-              </a:rPr>
-              <a:t>       2) </a:t>
-            </a:r>
-            <a:r>
-              <a:rPr lang="en-US" sz="2400" dirty="0" smtClean="0">
-                <a:solidFill>
-                  <a:schemeClr val="tx1"/>
-                </a:solidFill>
-                <a:latin typeface="Times New Roman" panose="02020603050405020304" pitchFamily="18" charset="0"/>
-                <a:cs typeface="Times New Roman" panose="02020603050405020304" pitchFamily="18" charset="0"/>
-              </a:rPr>
-              <a:t>Fractional knapsack problem.</a:t>
-            </a:r>
-          </a:p>
-          <a:p>
-            <a:pPr marL="0" indent="0">
-              <a:buNone/>
-            </a:pPr>
-            <a:r>
-              <a:rPr lang="en-US" sz="2400" dirty="0">
-                <a:solidFill>
-                  <a:schemeClr val="tx1"/>
-                </a:solidFill>
-                <a:latin typeface="Times New Roman" panose="02020603050405020304" pitchFamily="18" charset="0"/>
-                <a:cs typeface="Times New Roman" panose="02020603050405020304" pitchFamily="18" charset="0"/>
-              </a:rPr>
-              <a:t> </a:t>
-            </a:r>
-            <a:r>
-              <a:rPr lang="en-US" sz="2400" dirty="0" smtClean="0">
-                <a:solidFill>
-                  <a:schemeClr val="tx1"/>
-                </a:solidFill>
-                <a:latin typeface="Times New Roman" panose="02020603050405020304" pitchFamily="18" charset="0"/>
-                <a:cs typeface="Times New Roman" panose="02020603050405020304" pitchFamily="18" charset="0"/>
-              </a:rPr>
-              <a:t>                  a. Bounded Knapsack Problem.</a:t>
-            </a:r>
-          </a:p>
-          <a:p>
-            <a:pPr marL="0" indent="0">
-              <a:buNone/>
-            </a:pPr>
-            <a:r>
-              <a:rPr lang="en-US" sz="2400" dirty="0">
-                <a:solidFill>
-                  <a:schemeClr val="tx1"/>
-                </a:solidFill>
-                <a:latin typeface="Times New Roman" panose="02020603050405020304" pitchFamily="18" charset="0"/>
-                <a:cs typeface="Times New Roman" panose="02020603050405020304" pitchFamily="18" charset="0"/>
-              </a:rPr>
-              <a:t> </a:t>
-            </a:r>
-            <a:r>
-              <a:rPr lang="en-US" sz="2400" dirty="0" smtClean="0">
-                <a:solidFill>
-                  <a:schemeClr val="tx1"/>
-                </a:solidFill>
-                <a:latin typeface="Times New Roman" panose="02020603050405020304" pitchFamily="18" charset="0"/>
-                <a:cs typeface="Times New Roman" panose="02020603050405020304" pitchFamily="18" charset="0"/>
-              </a:rPr>
-              <a:t>                  b. Unbounded Knapsack Problem</a:t>
-            </a:r>
-          </a:p>
-        </p:txBody>
-      </p:sp>
-    </p:spTree>
-    <p:extLst>
-      <p:ext uri="{BB962C8B-B14F-4D97-AF65-F5344CB8AC3E}">
-        <p14:creationId xmlns:p14="http://schemas.microsoft.com/office/powerpoint/2010/main" val="4284627210"/>
-      </p:ext>
-    </p:extLst>
-  </p:cSld>
-  <p:clrMapOvr>
-    <a:masterClrMapping/>
-  </p:clrMapOvr>
-  <mc:AlternateContent xmlns:mc="http://schemas.openxmlformats.org/markup-compatibility/2006" xmlns:p14="http://schemas.microsoft.com/office/powerpoint/2010/main">
-    <mc:Choice Requires="p14">
-      <p:transition spd="med" p14:dur="700">
-        <p:fade/>
-      </p:transition>
-    </mc:Choice>
-    <mc:Fallback xmlns="">
-      <p:transition spd="med">
-        <p:fade/>
-      </p:transition>
-    </mc:Fallback>
-  </mc:AlternateContent>
-</p:sld>
-</file>
-
-<file path=ppt/slides/slide5.xml><?xml version="1.0" encoding="utf-8"?>
-<p:sld xmlns:a="http://schemas.openxmlformats.org/drawingml/2006/main" xmlns:r="http://schemas.openxmlformats.org/officeDocument/2006/relationships" xmlns:p="http://schemas.openxmlformats.org/presentationml/2006/main">
-  <p:cSld>
-    <p:spTree>
-      <p:nvGrpSpPr>
-        <p:cNvPr id="1" name=""/>
-        <p:cNvGrpSpPr/>
-        <p:nvPr/>
-      </p:nvGrpSpPr>
-      <p:grpSpPr>
-        <a:xfrm>
-          <a:off x="0" y="0"/>
-          <a:ext cx="0" cy="0"/>
-          <a:chOff x="0" y="0"/>
-          <a:chExt cx="0" cy="0"/>
-        </a:xfrm>
-      </p:grpSpPr>
-      <p:sp>
-        <p:nvSpPr>
-          <p:cNvPr id="2" name="Title 1"/>
-          <p:cNvSpPr>
-            <a:spLocks noGrp="1"/>
-          </p:cNvSpPr>
-          <p:nvPr>
-            <p:ph type="title"/>
-          </p:nvPr>
-        </p:nvSpPr>
-        <p:spPr/>
-        <p:txBody>
-          <a:bodyPr/>
-          <a:lstStyle/>
-          <a:p>
-            <a:r>
-              <a:rPr lang="en-US" b="1" dirty="0" smtClean="0">
-                <a:latin typeface="Times New Roman" panose="02020603050405020304" pitchFamily="18" charset="0"/>
-                <a:cs typeface="Times New Roman" panose="02020603050405020304" pitchFamily="18" charset="0"/>
-              </a:rPr>
-              <a:t>Solution Of Knapsack Problem:</a:t>
-            </a:r>
-            <a:endParaRPr lang="en-US" b="1" dirty="0">
-              <a:latin typeface="Times New Roman" panose="02020603050405020304" pitchFamily="18" charset="0"/>
-              <a:cs typeface="Times New Roman" panose="02020603050405020304" pitchFamily="18" charset="0"/>
-            </a:endParaRPr>
-          </a:p>
-        </p:txBody>
-      </p:sp>
-      <p:sp>
-        <p:nvSpPr>
-          <p:cNvPr id="3" name="Content Placeholder 2"/>
-          <p:cNvSpPr>
-            <a:spLocks noGrp="1"/>
-          </p:cNvSpPr>
-          <p:nvPr>
-            <p:ph idx="1"/>
-          </p:nvPr>
-        </p:nvSpPr>
-        <p:spPr/>
-        <p:txBody>
-          <a:bodyPr>
-            <a:normAutofit/>
-          </a:bodyPr>
-          <a:lstStyle/>
-          <a:p>
-            <a:r>
-              <a:rPr lang="en-US" sz="2400" b="1" dirty="0" smtClean="0">
-                <a:solidFill>
-                  <a:schemeClr val="bg2">
-                    <a:lumMod val="50000"/>
-                  </a:schemeClr>
-                </a:solidFill>
-                <a:latin typeface="Times New Roman" panose="02020603050405020304" pitchFamily="18" charset="0"/>
-                <a:cs typeface="Times New Roman" panose="02020603050405020304" pitchFamily="18" charset="0"/>
-              </a:rPr>
-              <a:t>Greedy Algorithm: </a:t>
-            </a:r>
-            <a:r>
-              <a:rPr lang="en-US" sz="2400" dirty="0" smtClean="0">
-                <a:solidFill>
-                  <a:schemeClr val="tx1"/>
-                </a:solidFill>
-                <a:latin typeface="Times New Roman" panose="02020603050405020304" pitchFamily="18" charset="0"/>
-                <a:cs typeface="Times New Roman" panose="02020603050405020304" pitchFamily="18" charset="0"/>
-              </a:rPr>
-              <a:t>Keep taking most valuable items until maximum weight is reached or taking the largest value of each item by calculating </a:t>
-            </a:r>
-            <a:r>
-              <a:rPr lang="en-US" sz="2400" i="1" dirty="0" smtClean="0">
-                <a:solidFill>
-                  <a:schemeClr val="tx1"/>
-                </a:solidFill>
-                <a:latin typeface="Times New Roman" panose="02020603050405020304" pitchFamily="18" charset="0"/>
-                <a:cs typeface="Times New Roman" panose="02020603050405020304" pitchFamily="18" charset="0"/>
-              </a:rPr>
-              <a:t>V</a:t>
-            </a:r>
-            <a:r>
-              <a:rPr lang="en-US" sz="2400" i="1" baseline="-25000" dirty="0" smtClean="0">
-                <a:solidFill>
-                  <a:schemeClr val="tx1"/>
-                </a:solidFill>
-                <a:latin typeface="Times New Roman" panose="02020603050405020304" pitchFamily="18" charset="0"/>
-                <a:cs typeface="Times New Roman" panose="02020603050405020304" pitchFamily="18" charset="0"/>
-              </a:rPr>
-              <a:t>i</a:t>
-            </a:r>
-            <a:r>
-              <a:rPr lang="en-US" sz="2400" i="1" dirty="0">
-                <a:solidFill>
-                  <a:schemeClr val="bg2">
-                    <a:lumMod val="50000"/>
-                  </a:schemeClr>
-                </a:solidFill>
-                <a:latin typeface="Times New Roman" panose="02020603050405020304" pitchFamily="18" charset="0"/>
-                <a:cs typeface="Times New Roman" panose="02020603050405020304" pitchFamily="18" charset="0"/>
-              </a:rPr>
-              <a:t> </a:t>
-            </a:r>
-            <a:r>
-              <a:rPr lang="en-US" sz="2400" i="1" dirty="0" smtClean="0">
-                <a:solidFill>
-                  <a:schemeClr val="tx1"/>
-                </a:solidFill>
-                <a:latin typeface="Times New Roman" panose="02020603050405020304" pitchFamily="18" charset="0"/>
-                <a:cs typeface="Times New Roman" panose="02020603050405020304" pitchFamily="18" charset="0"/>
-              </a:rPr>
-              <a:t>= value</a:t>
-            </a:r>
-            <a:r>
-              <a:rPr lang="en-US" sz="2400" i="1" baseline="-25000" dirty="0" smtClean="0">
-                <a:solidFill>
-                  <a:schemeClr val="tx1"/>
-                </a:solidFill>
-                <a:latin typeface="Times New Roman" panose="02020603050405020304" pitchFamily="18" charset="0"/>
-                <a:cs typeface="Times New Roman" panose="02020603050405020304" pitchFamily="18" charset="0"/>
-              </a:rPr>
-              <a:t>i</a:t>
-            </a:r>
-            <a:r>
-              <a:rPr lang="en-US" sz="2400" i="1" baseline="-25000" dirty="0">
-                <a:solidFill>
-                  <a:schemeClr val="tx1"/>
-                </a:solidFill>
-                <a:latin typeface="Times New Roman" panose="02020603050405020304" pitchFamily="18" charset="0"/>
-                <a:cs typeface="Times New Roman" panose="02020603050405020304" pitchFamily="18" charset="0"/>
-              </a:rPr>
-              <a:t>  </a:t>
-            </a:r>
-            <a:r>
-              <a:rPr lang="en-US" sz="2400" i="1" dirty="0" smtClean="0">
-                <a:solidFill>
-                  <a:schemeClr val="tx1"/>
-                </a:solidFill>
-                <a:latin typeface="Times New Roman" panose="02020603050405020304" pitchFamily="18" charset="0"/>
-                <a:cs typeface="Times New Roman" panose="02020603050405020304" pitchFamily="18" charset="0"/>
-              </a:rPr>
-              <a:t> / size</a:t>
-            </a:r>
-            <a:r>
-              <a:rPr lang="en-US" sz="2400" i="1" baseline="-25000" dirty="0" smtClean="0">
-                <a:solidFill>
-                  <a:schemeClr val="tx1"/>
-                </a:solidFill>
-                <a:latin typeface="Times New Roman" panose="02020603050405020304" pitchFamily="18" charset="0"/>
-                <a:cs typeface="Times New Roman" panose="02020603050405020304" pitchFamily="18" charset="0"/>
-              </a:rPr>
-              <a:t>i</a:t>
-            </a:r>
-            <a:r>
-              <a:rPr lang="en-US" sz="2400" i="1" baseline="-25000" dirty="0">
-                <a:solidFill>
-                  <a:schemeClr val="tx1"/>
-                </a:solidFill>
-                <a:latin typeface="Times New Roman" panose="02020603050405020304" pitchFamily="18" charset="0"/>
-                <a:cs typeface="Times New Roman" panose="02020603050405020304" pitchFamily="18" charset="0"/>
-              </a:rPr>
-              <a:t> </a:t>
-            </a:r>
-            <a:r>
-              <a:rPr lang="en-US" sz="2400" i="1" dirty="0" smtClean="0">
-                <a:solidFill>
-                  <a:schemeClr val="tx1"/>
-                </a:solidFill>
-                <a:latin typeface="Times New Roman" panose="02020603050405020304" pitchFamily="18" charset="0"/>
-                <a:cs typeface="Times New Roman" panose="02020603050405020304" pitchFamily="18" charset="0"/>
-              </a:rPr>
-              <a:t>.</a:t>
-            </a:r>
-          </a:p>
-          <a:p>
-            <a:r>
-              <a:rPr lang="en-US" sz="2400" b="1" dirty="0">
-                <a:solidFill>
-                  <a:schemeClr val="bg2">
-                    <a:lumMod val="50000"/>
-                  </a:schemeClr>
-                </a:solidFill>
-                <a:latin typeface="Times New Roman" panose="02020603050405020304" pitchFamily="18" charset="0"/>
-                <a:cs typeface="Times New Roman" panose="02020603050405020304" pitchFamily="18" charset="0"/>
-              </a:rPr>
-              <a:t>D</a:t>
-            </a:r>
-            <a:r>
-              <a:rPr lang="en-US" sz="2400" b="1" dirty="0" smtClean="0">
-                <a:solidFill>
-                  <a:schemeClr val="bg2">
-                    <a:lumMod val="50000"/>
-                  </a:schemeClr>
-                </a:solidFill>
-                <a:latin typeface="Times New Roman" panose="02020603050405020304" pitchFamily="18" charset="0"/>
-                <a:cs typeface="Times New Roman" panose="02020603050405020304" pitchFamily="18" charset="0"/>
-              </a:rPr>
-              <a:t>ynamic </a:t>
-            </a:r>
-            <a:r>
-              <a:rPr lang="en-US" sz="2400" b="1" dirty="0">
-                <a:solidFill>
-                  <a:schemeClr val="bg2">
-                    <a:lumMod val="50000"/>
-                  </a:schemeClr>
-                </a:solidFill>
-                <a:latin typeface="Times New Roman" panose="02020603050405020304" pitchFamily="18" charset="0"/>
-                <a:cs typeface="Times New Roman" panose="02020603050405020304" pitchFamily="18" charset="0"/>
-              </a:rPr>
-              <a:t>Algorithm: </a:t>
-            </a:r>
-            <a:r>
-              <a:rPr lang="en-US" sz="2400" dirty="0" smtClean="0">
-                <a:solidFill>
-                  <a:schemeClr val="tx1"/>
-                </a:solidFill>
-                <a:latin typeface="Times New Roman" panose="02020603050405020304" pitchFamily="18" charset="0"/>
-                <a:cs typeface="Times New Roman" panose="02020603050405020304" pitchFamily="18" charset="0"/>
-              </a:rPr>
-              <a:t>Solve each sub problem once and store their solutions in an array.</a:t>
-            </a:r>
-            <a:endParaRPr lang="en-US" sz="2400" i="1" baseline="-25000" dirty="0">
-              <a:solidFill>
-                <a:schemeClr val="tx1"/>
-              </a:solidFill>
-              <a:latin typeface="Times New Roman" panose="02020603050405020304" pitchFamily="18" charset="0"/>
-              <a:cs typeface="Times New Roman" panose="02020603050405020304" pitchFamily="18" charset="0"/>
-            </a:endParaRPr>
-          </a:p>
-        </p:txBody>
-      </p:sp>
-    </p:spTree>
-    <p:extLst>
-      <p:ext uri="{BB962C8B-B14F-4D97-AF65-F5344CB8AC3E}">
-        <p14:creationId xmlns:p14="http://schemas.microsoft.com/office/powerpoint/2010/main" val="3892046800"/>
-      </p:ext>
-    </p:extLst>
-  </p:cSld>
-  <p:clrMapOvr>
-    <a:masterClrMapping/>
-  </p:clrMapOvr>
-  <mc:AlternateContent xmlns:mc="http://schemas.openxmlformats.org/markup-compatibility/2006" xmlns:p14="http://schemas.microsoft.com/office/powerpoint/2010/main">
-    <mc:Choice Requires="p14">
-      <p:transition spd="med" p14:dur="700">
-        <p:fade/>
-      </p:transition>
-    </mc:Choice>
-    <mc:Fallback xmlns="">
-      <p:transition spd="med">
-        <p:fade/>
-      </p:transition>
-    </mc:Fallback>
-  </mc:AlternateContent>
-</p:sld>
-</file>
-
-<file path=ppt/slides/slide6.xml><?xml version="1.0" encoding="utf-8"?>
-<p:sld xmlns:a="http://schemas.openxmlformats.org/drawingml/2006/main" xmlns:r="http://schemas.openxmlformats.org/officeDocument/2006/relationships" xmlns:p="http://schemas.openxmlformats.org/presentationml/2006/main">
-  <p:cSld>
-    <p:spTree>
-      <p:nvGrpSpPr>
-        <p:cNvPr id="1" name=""/>
-        <p:cNvGrpSpPr/>
-        <p:nvPr/>
-      </p:nvGrpSpPr>
-      <p:grpSpPr>
-        <a:xfrm>
-          <a:off x="0" y="0"/>
-          <a:ext cx="0" cy="0"/>
-          <a:chOff x="0" y="0"/>
-          <a:chExt cx="0" cy="0"/>
-        </a:xfrm>
-      </p:grpSpPr>
-      <p:sp>
-        <p:nvSpPr>
-          <p:cNvPr id="2" name="Title 1"/>
-          <p:cNvSpPr>
-            <a:spLocks noGrp="1"/>
-          </p:cNvSpPr>
-          <p:nvPr>
-            <p:ph type="title"/>
-          </p:nvPr>
-        </p:nvSpPr>
-        <p:spPr/>
-        <p:txBody>
-          <a:bodyPr/>
-          <a:lstStyle/>
-          <a:p>
-            <a:r>
-              <a:rPr lang="en-US" b="1" dirty="0" smtClean="0">
-                <a:latin typeface="Times New Roman" panose="02020603050405020304" pitchFamily="18" charset="0"/>
-                <a:cs typeface="Times New Roman" panose="02020603050405020304" pitchFamily="18" charset="0"/>
-              </a:rPr>
-              <a:t>Solution Of Knapsack Problem:</a:t>
-            </a:r>
-            <a:endParaRPr lang="en-US" b="1" dirty="0">
-              <a:latin typeface="Times New Roman" panose="02020603050405020304" pitchFamily="18" charset="0"/>
-              <a:cs typeface="Times New Roman" panose="02020603050405020304" pitchFamily="18" charset="0"/>
-            </a:endParaRPr>
-          </a:p>
-        </p:txBody>
-      </p:sp>
-      <p:sp>
-        <p:nvSpPr>
-          <p:cNvPr id="3" name="Content Placeholder 2"/>
-          <p:cNvSpPr>
-            <a:spLocks noGrp="1"/>
-          </p:cNvSpPr>
-          <p:nvPr>
-            <p:ph idx="1"/>
-          </p:nvPr>
-        </p:nvSpPr>
-        <p:spPr/>
-        <p:txBody>
-          <a:bodyPr>
-            <a:normAutofit/>
-          </a:bodyPr>
-          <a:lstStyle/>
-          <a:p>
-            <a:r>
-              <a:rPr lang="en-US" sz="2400" dirty="0" err="1" smtClean="0">
-                <a:solidFill>
-                  <a:schemeClr val="tx1"/>
-                </a:solidFill>
-                <a:latin typeface="Times New Roman" panose="02020603050405020304" pitchFamily="18" charset="0"/>
-                <a:cs typeface="Times New Roman" panose="02020603050405020304" pitchFamily="18" charset="0"/>
-              </a:rPr>
-              <a:t>Kee</a:t>
-            </a:r>
-            <a:endParaRPr lang="en-US" sz="2400" i="1" baseline="-25000" dirty="0">
-              <a:solidFill>
-                <a:schemeClr val="tx1"/>
-              </a:solidFill>
-              <a:latin typeface="Times New Roman" panose="02020603050405020304" pitchFamily="18" charset="0"/>
-              <a:cs typeface="Times New Roman" panose="02020603050405020304" pitchFamily="18" charset="0"/>
-            </a:endParaRPr>
-          </a:p>
-        </p:txBody>
-      </p:sp>
-    </p:spTree>
-    <p:extLst>
-      <p:ext uri="{BB962C8B-B14F-4D97-AF65-F5344CB8AC3E}">
-        <p14:creationId xmlns:p14="http://schemas.microsoft.com/office/powerpoint/2010/main" val="331856659"/>
-      </p:ext>
-    </p:extLst>
-  </p:cSld>
-  <p:clrMapOvr>
-    <a:masterClrMapping/>
-  </p:clrMapOvr>
-  <mc:AlternateContent xmlns:mc="http://schemas.openxmlformats.org/markup-compatibility/2006" xmlns:p14="http://schemas.microsoft.com/office/powerpoint/2010/main">
-    <mc:Choice Requires="p14">
-      <p:transition spd="med" p14:dur="700">
-        <p:fade/>
-      </p:transition>
-    </mc:Choice>
-    <mc:Fallback xmlns="">
-      <p:transition spd="med">
-        <p:fade/>
-      </p:transition>
-    </mc:Fallback>
-  </mc:AlternateContent>
-</p:sld>
-</file>
-
-<file path=ppt/slides/slide7.xml><?xml version="1.0" encoding="utf-8"?>
+<file path=ppt/slides/slide10.xml><?xml version="1.0" encoding="utf-8"?>
 <p:sld xmlns:a="http://schemas.openxmlformats.org/drawingml/2006/main" xmlns:r="http://schemas.openxmlformats.org/officeDocument/2006/relationships" xmlns:p="http://schemas.openxmlformats.org/presentationml/2006/main">
   <p:cSld>
     <p:bg>
@@ -8081,18 +7060,9 @@
   <p:clrMapOvr>
     <a:masterClrMapping/>
   </p:clrMapOvr>
-  <mc:AlternateContent xmlns:mc="http://schemas.openxmlformats.org/markup-compatibility/2006" xmlns:p15="http://schemas.microsoft.com/office/powerpoint/2012/main">
-    <mc:Choice Requires="p15">
-      <p:transition xmlns:p14="http://schemas.microsoft.com/office/powerpoint/2010/main" spd="slow" p14:dur="1250">
-        <p15:prstTrans prst="peelOff"/>
-      </p:transition>
-    </mc:Choice>
-    <mc:Fallback xmlns="">
-      <p:transition spd="slow">
-        <p:fade/>
-      </p:transition>
-    </mc:Fallback>
-  </mc:AlternateContent>
+  <p:transition spd="slow">
+    <p:fade/>
+  </p:transition>
   <p:timing>
     <p:tnLst>
       <p:par>
@@ -8231,6 +7201,1085 @@
 </p:sld>
 </file>
 
+<file path=ppt/slides/slide2.xml><?xml version="1.0" encoding="utf-8"?>
+<p:sld xmlns:a="http://schemas.openxmlformats.org/drawingml/2006/main" xmlns:r="http://schemas.openxmlformats.org/officeDocument/2006/relationships" xmlns:p="http://schemas.openxmlformats.org/presentationml/2006/main">
+  <p:cSld>
+    <p:spTree>
+      <p:nvGrpSpPr>
+        <p:cNvPr id="1" name=""/>
+        <p:cNvGrpSpPr/>
+        <p:nvPr/>
+      </p:nvGrpSpPr>
+      <p:grpSpPr>
+        <a:xfrm>
+          <a:off x="0" y="0"/>
+          <a:ext cx="0" cy="0"/>
+          <a:chOff x="0" y="0"/>
+          <a:chExt cx="0" cy="0"/>
+        </a:xfrm>
+      </p:grpSpPr>
+      <p:sp>
+        <p:nvSpPr>
+          <p:cNvPr id="2" name="Title 1"/>
+          <p:cNvSpPr>
+            <a:spLocks noGrp="1"/>
+          </p:cNvSpPr>
+          <p:nvPr>
+            <p:ph type="title"/>
+          </p:nvPr>
+        </p:nvSpPr>
+        <p:spPr/>
+        <p:txBody>
+          <a:bodyPr/>
+          <a:lstStyle/>
+          <a:p>
+            <a:r>
+              <a:rPr lang="en-US" b="1" dirty="0" smtClean="0">
+                <a:latin typeface="Times New Roman" panose="02020603050405020304" pitchFamily="18" charset="0"/>
+                <a:cs typeface="Times New Roman" panose="02020603050405020304" pitchFamily="18" charset="0"/>
+              </a:rPr>
+              <a:t>Knapsack Problem:</a:t>
+            </a:r>
+            <a:endParaRPr lang="en-US" b="1" dirty="0">
+              <a:latin typeface="Times New Roman" panose="02020603050405020304" pitchFamily="18" charset="0"/>
+              <a:cs typeface="Times New Roman" panose="02020603050405020304" pitchFamily="18" charset="0"/>
+            </a:endParaRPr>
+          </a:p>
+        </p:txBody>
+      </p:sp>
+      <p:sp>
+        <p:nvSpPr>
+          <p:cNvPr id="3" name="Content Placeholder 2"/>
+          <p:cNvSpPr>
+            <a:spLocks noGrp="1"/>
+          </p:cNvSpPr>
+          <p:nvPr>
+            <p:ph idx="1"/>
+          </p:nvPr>
+        </p:nvSpPr>
+        <p:spPr/>
+        <p:txBody>
+          <a:bodyPr>
+            <a:normAutofit/>
+          </a:bodyPr>
+          <a:lstStyle/>
+          <a:p>
+            <a:r>
+              <a:rPr lang="en-US" sz="2400" dirty="0" smtClean="0">
+                <a:latin typeface="Times New Roman" panose="02020603050405020304" pitchFamily="18" charset="0"/>
+                <a:cs typeface="Times New Roman" panose="02020603050405020304" pitchFamily="18" charset="0"/>
+              </a:rPr>
+              <a:t>There are two versions of the problem.</a:t>
+            </a:r>
+          </a:p>
+          <a:p>
+            <a:pPr marL="0" indent="0">
+              <a:buNone/>
+            </a:pPr>
+            <a:r>
+              <a:rPr lang="en-US" sz="2400" dirty="0">
+                <a:latin typeface="Times New Roman" panose="02020603050405020304" pitchFamily="18" charset="0"/>
+                <a:cs typeface="Times New Roman" panose="02020603050405020304" pitchFamily="18" charset="0"/>
+              </a:rPr>
+              <a:t>	</a:t>
+            </a:r>
+            <a:r>
+              <a:rPr lang="en-US" sz="2400" dirty="0" smtClean="0">
+                <a:latin typeface="Times New Roman" panose="02020603050405020304" pitchFamily="18" charset="0"/>
+                <a:cs typeface="Times New Roman" panose="02020603050405020304" pitchFamily="18" charset="0"/>
+              </a:rPr>
+              <a:t>	</a:t>
+            </a:r>
+            <a:r>
+              <a:rPr lang="en-US" sz="2400" dirty="0" smtClean="0">
+                <a:solidFill>
+                  <a:schemeClr val="bg2">
+                    <a:lumMod val="50000"/>
+                  </a:schemeClr>
+                </a:solidFill>
+                <a:latin typeface="Times New Roman" panose="02020603050405020304" pitchFamily="18" charset="0"/>
+                <a:cs typeface="Times New Roman" panose="02020603050405020304" pitchFamily="18" charset="0"/>
+              </a:rPr>
+              <a:t>1) </a:t>
+            </a:r>
+            <a:r>
+              <a:rPr lang="en-US" sz="2400" dirty="0" smtClean="0">
+                <a:solidFill>
+                  <a:schemeClr val="tx1"/>
+                </a:solidFill>
+                <a:latin typeface="Times New Roman" panose="02020603050405020304" pitchFamily="18" charset="0"/>
+                <a:cs typeface="Times New Roman" panose="02020603050405020304" pitchFamily="18" charset="0"/>
+              </a:rPr>
+              <a:t>0-1 knapsack problem. </a:t>
+            </a:r>
+            <a:r>
+              <a:rPr lang="en-US" sz="2400" dirty="0"/>
+              <a:t>✔</a:t>
+            </a:r>
+            <a:endParaRPr lang="en-US" sz="2400" dirty="0" smtClean="0">
+              <a:solidFill>
+                <a:schemeClr val="tx1"/>
+              </a:solidFill>
+              <a:latin typeface="Times New Roman" panose="02020603050405020304" pitchFamily="18" charset="0"/>
+              <a:cs typeface="Times New Roman" panose="02020603050405020304" pitchFamily="18" charset="0"/>
+            </a:endParaRPr>
+          </a:p>
+          <a:p>
+            <a:pPr marL="0" indent="0">
+              <a:buNone/>
+            </a:pPr>
+            <a:r>
+              <a:rPr lang="en-US" sz="2400" dirty="0">
+                <a:solidFill>
+                  <a:schemeClr val="bg2">
+                    <a:lumMod val="50000"/>
+                  </a:schemeClr>
+                </a:solidFill>
+                <a:latin typeface="Times New Roman" panose="02020603050405020304" pitchFamily="18" charset="0"/>
+                <a:cs typeface="Times New Roman" panose="02020603050405020304" pitchFamily="18" charset="0"/>
+              </a:rPr>
+              <a:t> </a:t>
+            </a:r>
+            <a:r>
+              <a:rPr lang="en-US" sz="2400" dirty="0" smtClean="0">
+                <a:solidFill>
+                  <a:schemeClr val="bg2">
+                    <a:lumMod val="50000"/>
+                  </a:schemeClr>
+                </a:solidFill>
+                <a:latin typeface="Times New Roman" panose="02020603050405020304" pitchFamily="18" charset="0"/>
+                <a:cs typeface="Times New Roman" panose="02020603050405020304" pitchFamily="18" charset="0"/>
+              </a:rPr>
+              <a:t>       	2) </a:t>
+            </a:r>
+            <a:r>
+              <a:rPr lang="en-US" sz="2400" dirty="0" smtClean="0">
+                <a:solidFill>
+                  <a:schemeClr val="tx1"/>
+                </a:solidFill>
+                <a:latin typeface="Times New Roman" panose="02020603050405020304" pitchFamily="18" charset="0"/>
+                <a:cs typeface="Times New Roman" panose="02020603050405020304" pitchFamily="18" charset="0"/>
+              </a:rPr>
+              <a:t>Fractional knapsack problem.</a:t>
+            </a:r>
+          </a:p>
+        </p:txBody>
+      </p:sp>
+    </p:spTree>
+    <p:extLst>
+      <p:ext uri="{BB962C8B-B14F-4D97-AF65-F5344CB8AC3E}">
+        <p14:creationId xmlns:p14="http://schemas.microsoft.com/office/powerpoint/2010/main" val="3197741839"/>
+      </p:ext>
+    </p:extLst>
+  </p:cSld>
+  <p:clrMapOvr>
+    <a:masterClrMapping/>
+  </p:clrMapOvr>
+  <mc:AlternateContent xmlns:mc="http://schemas.openxmlformats.org/markup-compatibility/2006" xmlns:p14="http://schemas.microsoft.com/office/powerpoint/2010/main">
+    <mc:Choice Requires="p14">
+      <p:transition spd="med" p14:dur="700">
+        <p:fade/>
+      </p:transition>
+    </mc:Choice>
+    <mc:Fallback xmlns="">
+      <p:transition spd="med">
+        <p:fade/>
+      </p:transition>
+    </mc:Fallback>
+  </mc:AlternateContent>
+  <p:timing>
+    <p:tnLst>
+      <p:par>
+        <p:cTn id="1" dur="indefinite" restart="never" nodeType="tmRoot"/>
+      </p:par>
+    </p:tnLst>
+  </p:timing>
+</p:sld>
+</file>
+
+<file path=ppt/slides/slide3.xml><?xml version="1.0" encoding="utf-8"?>
+<p:sld xmlns:a="http://schemas.openxmlformats.org/drawingml/2006/main" xmlns:r="http://schemas.openxmlformats.org/officeDocument/2006/relationships" xmlns:p="http://schemas.openxmlformats.org/presentationml/2006/main">
+  <p:cSld>
+    <p:spTree>
+      <p:nvGrpSpPr>
+        <p:cNvPr id="1" name=""/>
+        <p:cNvGrpSpPr/>
+        <p:nvPr/>
+      </p:nvGrpSpPr>
+      <p:grpSpPr>
+        <a:xfrm>
+          <a:off x="0" y="0"/>
+          <a:ext cx="0" cy="0"/>
+          <a:chOff x="0" y="0"/>
+          <a:chExt cx="0" cy="0"/>
+        </a:xfrm>
+      </p:grpSpPr>
+      <p:sp>
+        <p:nvSpPr>
+          <p:cNvPr id="2" name="Title 1"/>
+          <p:cNvSpPr>
+            <a:spLocks noGrp="1"/>
+          </p:cNvSpPr>
+          <p:nvPr>
+            <p:ph type="title"/>
+          </p:nvPr>
+        </p:nvSpPr>
+        <p:spPr/>
+        <p:txBody>
+          <a:bodyPr/>
+          <a:lstStyle/>
+          <a:p>
+            <a:r>
+              <a:rPr lang="en-US" b="1" dirty="0" smtClean="0">
+                <a:latin typeface="Times New Roman" panose="02020603050405020304" pitchFamily="18" charset="0"/>
+                <a:cs typeface="Times New Roman" panose="02020603050405020304" pitchFamily="18" charset="0"/>
+              </a:rPr>
+              <a:t>What is Knapsack:</a:t>
+            </a:r>
+            <a:endParaRPr lang="en-US" b="1" dirty="0">
+              <a:latin typeface="Times New Roman" panose="02020603050405020304" pitchFamily="18" charset="0"/>
+              <a:cs typeface="Times New Roman" panose="02020603050405020304" pitchFamily="18" charset="0"/>
+            </a:endParaRPr>
+          </a:p>
+        </p:txBody>
+      </p:sp>
+      <p:sp>
+        <p:nvSpPr>
+          <p:cNvPr id="3" name="Content Placeholder 2"/>
+          <p:cNvSpPr>
+            <a:spLocks noGrp="1"/>
+          </p:cNvSpPr>
+          <p:nvPr>
+            <p:ph idx="1"/>
+          </p:nvPr>
+        </p:nvSpPr>
+        <p:spPr/>
+        <p:txBody>
+          <a:bodyPr>
+            <a:normAutofit/>
+          </a:bodyPr>
+          <a:lstStyle/>
+          <a:p>
+            <a:r>
+              <a:rPr lang="en-US" sz="2400" dirty="0">
+                <a:solidFill>
+                  <a:schemeClr val="tx1"/>
+                </a:solidFill>
+                <a:latin typeface="Times New Roman" panose="02020603050405020304" pitchFamily="18" charset="0"/>
+                <a:cs typeface="Times New Roman" panose="02020603050405020304" pitchFamily="18" charset="0"/>
+              </a:rPr>
+              <a:t>The 0–1 Knapsack Problem belongs to Combinatorial Optimization Problems. In such problems, we try to “maximize” (or “minimize”) some “quantity”, while satisfying some constraints. For example, the Knapsack problem is to maximize the obtained profit without exceeding the knapsack capacity.</a:t>
+            </a:r>
+          </a:p>
+        </p:txBody>
+      </p:sp>
+    </p:spTree>
+    <p:extLst>
+      <p:ext uri="{BB962C8B-B14F-4D97-AF65-F5344CB8AC3E}">
+        <p14:creationId xmlns:p14="http://schemas.microsoft.com/office/powerpoint/2010/main" val="3840413201"/>
+      </p:ext>
+    </p:extLst>
+  </p:cSld>
+  <p:clrMapOvr>
+    <a:masterClrMapping/>
+  </p:clrMapOvr>
+  <mc:AlternateContent xmlns:mc="http://schemas.openxmlformats.org/markup-compatibility/2006" xmlns:p14="http://schemas.microsoft.com/office/powerpoint/2010/main">
+    <mc:Choice Requires="p14">
+      <p:transition spd="slow" p14:dur="900">
+        <p14:warp dir="in"/>
+      </p:transition>
+    </mc:Choice>
+    <mc:Fallback xmlns="">
+      <p:transition spd="slow">
+        <p:fade/>
+      </p:transition>
+    </mc:Fallback>
+  </mc:AlternateContent>
+  <p:timing>
+    <p:tnLst>
+      <p:par>
+        <p:cTn id="1" dur="indefinite" restart="never" nodeType="tmRoot"/>
+      </p:par>
+    </p:tnLst>
+  </p:timing>
+</p:sld>
+</file>
+
+<file path=ppt/slides/slide4.xml><?xml version="1.0" encoding="utf-8"?>
+<p:sld xmlns:a="http://schemas.openxmlformats.org/drawingml/2006/main" xmlns:r="http://schemas.openxmlformats.org/officeDocument/2006/relationships" xmlns:p="http://schemas.openxmlformats.org/presentationml/2006/main">
+  <p:cSld>
+    <p:spTree>
+      <p:nvGrpSpPr>
+        <p:cNvPr id="1" name=""/>
+        <p:cNvGrpSpPr/>
+        <p:nvPr/>
+      </p:nvGrpSpPr>
+      <p:grpSpPr>
+        <a:xfrm>
+          <a:off x="0" y="0"/>
+          <a:ext cx="0" cy="0"/>
+          <a:chOff x="0" y="0"/>
+          <a:chExt cx="0" cy="0"/>
+        </a:xfrm>
+      </p:grpSpPr>
+      <p:sp>
+        <p:nvSpPr>
+          <p:cNvPr id="2" name="Title 1"/>
+          <p:cNvSpPr>
+            <a:spLocks noGrp="1"/>
+          </p:cNvSpPr>
+          <p:nvPr>
+            <p:ph type="title"/>
+          </p:nvPr>
+        </p:nvSpPr>
+        <p:spPr/>
+        <p:txBody>
+          <a:bodyPr/>
+          <a:lstStyle/>
+          <a:p>
+            <a:r>
+              <a:rPr lang="en-US" b="1" dirty="0" smtClean="0">
+                <a:latin typeface="Times New Roman" panose="02020603050405020304" pitchFamily="18" charset="0"/>
+                <a:cs typeface="Times New Roman" panose="02020603050405020304" pitchFamily="18" charset="0"/>
+              </a:rPr>
+              <a:t>Example:</a:t>
+            </a:r>
+            <a:endParaRPr lang="en-US" b="1" dirty="0">
+              <a:latin typeface="Times New Roman" panose="02020603050405020304" pitchFamily="18" charset="0"/>
+              <a:cs typeface="Times New Roman" panose="02020603050405020304" pitchFamily="18" charset="0"/>
+            </a:endParaRPr>
+          </a:p>
+        </p:txBody>
+      </p:sp>
+      <p:pic>
+        <p:nvPicPr>
+          <p:cNvPr id="1026" name="Picture 2" descr="Image result for knapsack problems"/>
+          <p:cNvPicPr>
+            <a:picLocks noChangeAspect="1" noChangeArrowheads="1"/>
+          </p:cNvPicPr>
+          <p:nvPr/>
+        </p:nvPicPr>
+        <p:blipFill>
+          <a:blip r:embed="rId2">
+            <a:extLst>
+              <a:ext uri="{28A0092B-C50C-407E-A947-70E740481C1C}">
+                <a14:useLocalDpi xmlns:a14="http://schemas.microsoft.com/office/drawing/2010/main" val="0"/>
+              </a:ext>
+            </a:extLst>
+          </a:blip>
+          <a:srcRect/>
+          <a:stretch>
+            <a:fillRect/>
+          </a:stretch>
+        </p:blipFill>
+        <p:spPr bwMode="auto">
+          <a:xfrm>
+            <a:off x="1710055" y="1039409"/>
+            <a:ext cx="6768927" cy="5866404"/>
+          </a:xfrm>
+          <a:prstGeom prst="rect">
+            <a:avLst/>
+          </a:prstGeom>
+          <a:noFill/>
+          <a:extLst>
+            <a:ext uri="{909E8E84-426E-40DD-AFC4-6F175D3DCCD1}">
+              <a14:hiddenFill xmlns:a14="http://schemas.microsoft.com/office/drawing/2010/main">
+                <a:solidFill>
+                  <a:srgbClr val="FFFFFF"/>
+                </a:solidFill>
+              </a14:hiddenFill>
+            </a:ext>
+          </a:extLst>
+        </p:spPr>
+      </p:pic>
+    </p:spTree>
+    <p:extLst>
+      <p:ext uri="{BB962C8B-B14F-4D97-AF65-F5344CB8AC3E}">
+        <p14:creationId xmlns:p14="http://schemas.microsoft.com/office/powerpoint/2010/main" val="3796444094"/>
+      </p:ext>
+    </p:extLst>
+  </p:cSld>
+  <p:clrMapOvr>
+    <a:masterClrMapping/>
+  </p:clrMapOvr>
+  <mc:AlternateContent xmlns:mc="http://schemas.openxmlformats.org/markup-compatibility/2006" xmlns:p14="http://schemas.microsoft.com/office/powerpoint/2010/main">
+    <mc:Choice Requires="p14">
+      <p:transition spd="med" p14:dur="700">
+        <p:fade/>
+      </p:transition>
+    </mc:Choice>
+    <mc:Fallback xmlns="">
+      <p:transition spd="med">
+        <p:fade/>
+      </p:transition>
+    </mc:Fallback>
+  </mc:AlternateContent>
+  <p:timing>
+    <p:tnLst>
+      <p:par>
+        <p:cTn id="1" dur="indefinite" restart="never" nodeType="tmRoot"/>
+      </p:par>
+    </p:tnLst>
+  </p:timing>
+</p:sld>
+</file>
+
+<file path=ppt/slides/slide5.xml><?xml version="1.0" encoding="utf-8"?>
+<p:sld xmlns:a="http://schemas.openxmlformats.org/drawingml/2006/main" xmlns:r="http://schemas.openxmlformats.org/officeDocument/2006/relationships" xmlns:p="http://schemas.openxmlformats.org/presentationml/2006/main">
+  <p:cSld>
+    <p:spTree>
+      <p:nvGrpSpPr>
+        <p:cNvPr id="1" name=""/>
+        <p:cNvGrpSpPr/>
+        <p:nvPr/>
+      </p:nvGrpSpPr>
+      <p:grpSpPr>
+        <a:xfrm>
+          <a:off x="0" y="0"/>
+          <a:ext cx="0" cy="0"/>
+          <a:chOff x="0" y="0"/>
+          <a:chExt cx="0" cy="0"/>
+        </a:xfrm>
+      </p:grpSpPr>
+      <p:pic>
+        <p:nvPicPr>
+          <p:cNvPr id="1026" name="Picture 2"/>
+          <p:cNvPicPr>
+            <a:picLocks noGrp="1" noChangeAspect="1" noChangeArrowheads="1"/>
+          </p:cNvPicPr>
+          <p:nvPr>
+            <p:ph idx="1"/>
+          </p:nvPr>
+        </p:nvPicPr>
+        <p:blipFill>
+          <a:blip r:embed="rId2">
+            <a:extLst>
+              <a:ext uri="{28A0092B-C50C-407E-A947-70E740481C1C}">
+                <a14:useLocalDpi xmlns:a14="http://schemas.microsoft.com/office/drawing/2010/main" val="0"/>
+              </a:ext>
+            </a:extLst>
+          </a:blip>
+          <a:srcRect/>
+          <a:stretch>
+            <a:fillRect/>
+          </a:stretch>
+        </p:blipFill>
+        <p:spPr bwMode="auto">
+          <a:xfrm>
+            <a:off x="1532610" y="504094"/>
+            <a:ext cx="7224528" cy="5315194"/>
+          </a:xfrm>
+          <a:prstGeom prst="rect">
+            <a:avLst/>
+          </a:prstGeom>
+          <a:noFill/>
+          <a:ln>
+            <a:noFill/>
+          </a:ln>
+          <a:effectLst/>
+          <a:extLst>
+            <a:ext uri="{909E8E84-426E-40DD-AFC4-6F175D3DCCD1}">
+              <a14:hiddenFill xmlns:a14="http://schemas.microsoft.com/office/drawing/2010/main">
+                <a:solidFill>
+                  <a:schemeClr val="accent1"/>
+                </a:solidFill>
+              </a14:hiddenFill>
+            </a:ext>
+            <a:ext uri="{91240B29-F687-4F45-9708-019B960494DF}">
+              <a14:hiddenLine xmlns:a14="http://schemas.microsoft.com/office/drawing/2010/main" w="9525">
+                <a:solidFill>
+                  <a:schemeClr val="tx1"/>
+                </a:solidFill>
+                <a:miter lim="800000"/>
+                <a:headEnd/>
+                <a:tailEnd/>
+              </a14:hiddenLine>
+            </a:ext>
+            <a:ext uri="{AF507438-7753-43E0-B8FC-AC1667EBCBE1}">
+              <a14:hiddenEffects xmlns:a14="http://schemas.microsoft.com/office/drawing/2010/main">
+                <a:effectLst>
+                  <a:outerShdw dist="35921" dir="2700000" algn="ctr" rotWithShape="0">
+                    <a:schemeClr val="bg2"/>
+                  </a:outerShdw>
+                </a:effectLst>
+              </a14:hiddenEffects>
+            </a:ext>
+          </a:extLst>
+        </p:spPr>
+      </p:pic>
+    </p:spTree>
+    <p:extLst>
+      <p:ext uri="{BB962C8B-B14F-4D97-AF65-F5344CB8AC3E}">
+        <p14:creationId xmlns:p14="http://schemas.microsoft.com/office/powerpoint/2010/main" val="4042976223"/>
+      </p:ext>
+    </p:extLst>
+  </p:cSld>
+  <p:clrMapOvr>
+    <a:masterClrMapping/>
+  </p:clrMapOvr>
+  <mc:AlternateContent xmlns:mc="http://schemas.openxmlformats.org/markup-compatibility/2006" xmlns:p14="http://schemas.microsoft.com/office/powerpoint/2010/main">
+    <mc:Choice Requires="p14">
+      <p:transition spd="med" p14:dur="700">
+        <p:fade/>
+      </p:transition>
+    </mc:Choice>
+    <mc:Fallback xmlns="">
+      <p:transition spd="med">
+        <p:fade/>
+      </p:transition>
+    </mc:Fallback>
+  </mc:AlternateContent>
+  <p:timing>
+    <p:tnLst>
+      <p:par>
+        <p:cTn id="1" dur="indefinite" restart="never" nodeType="tmRoot"/>
+      </p:par>
+    </p:tnLst>
+  </p:timing>
+</p:sld>
+</file>
+
+<file path=ppt/slides/slide6.xml><?xml version="1.0" encoding="utf-8"?>
+<p:sld xmlns:a="http://schemas.openxmlformats.org/drawingml/2006/main" xmlns:r="http://schemas.openxmlformats.org/officeDocument/2006/relationships" xmlns:p="http://schemas.openxmlformats.org/presentationml/2006/main">
+  <p:cSld>
+    <p:spTree>
+      <p:nvGrpSpPr>
+        <p:cNvPr id="1" name=""/>
+        <p:cNvGrpSpPr/>
+        <p:nvPr/>
+      </p:nvGrpSpPr>
+      <p:grpSpPr>
+        <a:xfrm>
+          <a:off x="0" y="0"/>
+          <a:ext cx="0" cy="0"/>
+          <a:chOff x="0" y="0"/>
+          <a:chExt cx="0" cy="0"/>
+        </a:xfrm>
+      </p:grpSpPr>
+      <p:pic>
+        <p:nvPicPr>
+          <p:cNvPr id="2050" name="Picture 2"/>
+          <p:cNvPicPr>
+            <a:picLocks noGrp="1" noChangeAspect="1" noChangeArrowheads="1"/>
+          </p:cNvPicPr>
+          <p:nvPr>
+            <p:ph idx="1"/>
+          </p:nvPr>
+        </p:nvPicPr>
+        <p:blipFill>
+          <a:blip r:embed="rId2">
+            <a:extLst>
+              <a:ext uri="{28A0092B-C50C-407E-A947-70E740481C1C}">
+                <a14:useLocalDpi xmlns:a14="http://schemas.microsoft.com/office/drawing/2010/main" val="0"/>
+              </a:ext>
+            </a:extLst>
+          </a:blip>
+          <a:srcRect/>
+          <a:stretch>
+            <a:fillRect/>
+          </a:stretch>
+        </p:blipFill>
+        <p:spPr bwMode="auto">
+          <a:xfrm>
+            <a:off x="1023383" y="527539"/>
+            <a:ext cx="8085233" cy="5350363"/>
+          </a:xfrm>
+          <a:prstGeom prst="rect">
+            <a:avLst/>
+          </a:prstGeom>
+          <a:noFill/>
+          <a:ln>
+            <a:noFill/>
+          </a:ln>
+          <a:effectLst/>
+          <a:extLst>
+            <a:ext uri="{909E8E84-426E-40DD-AFC4-6F175D3DCCD1}">
+              <a14:hiddenFill xmlns:a14="http://schemas.microsoft.com/office/drawing/2010/main">
+                <a:solidFill>
+                  <a:schemeClr val="accent1"/>
+                </a:solidFill>
+              </a14:hiddenFill>
+            </a:ext>
+            <a:ext uri="{91240B29-F687-4F45-9708-019B960494DF}">
+              <a14:hiddenLine xmlns:a14="http://schemas.microsoft.com/office/drawing/2010/main" w="9525">
+                <a:solidFill>
+                  <a:schemeClr val="tx1"/>
+                </a:solidFill>
+                <a:miter lim="800000"/>
+                <a:headEnd/>
+                <a:tailEnd/>
+              </a14:hiddenLine>
+            </a:ext>
+            <a:ext uri="{AF507438-7753-43E0-B8FC-AC1667EBCBE1}">
+              <a14:hiddenEffects xmlns:a14="http://schemas.microsoft.com/office/drawing/2010/main">
+                <a:effectLst>
+                  <a:outerShdw dist="35921" dir="2700000" algn="ctr" rotWithShape="0">
+                    <a:schemeClr val="bg2"/>
+                  </a:outerShdw>
+                </a:effectLst>
+              </a14:hiddenEffects>
+            </a:ext>
+          </a:extLst>
+        </p:spPr>
+      </p:pic>
+    </p:spTree>
+    <p:extLst>
+      <p:ext uri="{BB962C8B-B14F-4D97-AF65-F5344CB8AC3E}">
+        <p14:creationId xmlns:p14="http://schemas.microsoft.com/office/powerpoint/2010/main" val="206455429"/>
+      </p:ext>
+    </p:extLst>
+  </p:cSld>
+  <p:clrMapOvr>
+    <a:masterClrMapping/>
+  </p:clrMapOvr>
+  <mc:AlternateContent xmlns:mc="http://schemas.openxmlformats.org/markup-compatibility/2006" xmlns:p14="http://schemas.microsoft.com/office/powerpoint/2010/main">
+    <mc:Choice Requires="p14">
+      <p:transition spd="med" p14:dur="700">
+        <p:fade/>
+      </p:transition>
+    </mc:Choice>
+    <mc:Fallback xmlns="">
+      <p:transition spd="med">
+        <p:fade/>
+      </p:transition>
+    </mc:Fallback>
+  </mc:AlternateContent>
+  <p:timing>
+    <p:tnLst>
+      <p:par>
+        <p:cTn id="1" dur="indefinite" restart="never" nodeType="tmRoot"/>
+      </p:par>
+    </p:tnLst>
+  </p:timing>
+</p:sld>
+</file>
+
+<file path=ppt/slides/slide7.xml><?xml version="1.0" encoding="utf-8"?>
+<p:sld xmlns:a="http://schemas.openxmlformats.org/drawingml/2006/main" xmlns:r="http://schemas.openxmlformats.org/officeDocument/2006/relationships" xmlns:p="http://schemas.openxmlformats.org/presentationml/2006/main">
+  <p:cSld>
+    <p:spTree>
+      <p:nvGrpSpPr>
+        <p:cNvPr id="1" name=""/>
+        <p:cNvGrpSpPr/>
+        <p:nvPr/>
+      </p:nvGrpSpPr>
+      <p:grpSpPr>
+        <a:xfrm>
+          <a:off x="0" y="0"/>
+          <a:ext cx="0" cy="0"/>
+          <a:chOff x="0" y="0"/>
+          <a:chExt cx="0" cy="0"/>
+        </a:xfrm>
+      </p:grpSpPr>
+      <p:sp>
+        <p:nvSpPr>
+          <p:cNvPr id="2" name="Title 1"/>
+          <p:cNvSpPr>
+            <a:spLocks noGrp="1"/>
+          </p:cNvSpPr>
+          <p:nvPr>
+            <p:ph type="title"/>
+          </p:nvPr>
+        </p:nvSpPr>
+        <p:spPr/>
+        <p:txBody>
+          <a:bodyPr/>
+          <a:lstStyle/>
+          <a:p>
+            <a:r>
+              <a:rPr lang="en-US" b="1" dirty="0" smtClean="0">
+                <a:latin typeface="Times New Roman" panose="02020603050405020304" pitchFamily="18" charset="0"/>
+                <a:cs typeface="Times New Roman" panose="02020603050405020304" pitchFamily="18" charset="0"/>
+              </a:rPr>
+              <a:t>Solution Of Knapsack Problem:</a:t>
+            </a:r>
+            <a:endParaRPr lang="en-US" b="1" dirty="0">
+              <a:latin typeface="Times New Roman" panose="02020603050405020304" pitchFamily="18" charset="0"/>
+              <a:cs typeface="Times New Roman" panose="02020603050405020304" pitchFamily="18" charset="0"/>
+            </a:endParaRPr>
+          </a:p>
+        </p:txBody>
+      </p:sp>
+      <p:sp>
+        <p:nvSpPr>
+          <p:cNvPr id="3" name="Content Placeholder 2"/>
+          <p:cNvSpPr>
+            <a:spLocks noGrp="1"/>
+          </p:cNvSpPr>
+          <p:nvPr>
+            <p:ph idx="1"/>
+          </p:nvPr>
+        </p:nvSpPr>
+        <p:spPr/>
+        <p:txBody>
+          <a:bodyPr>
+            <a:normAutofit/>
+          </a:bodyPr>
+          <a:lstStyle/>
+          <a:p>
+            <a:r>
+              <a:rPr lang="en-US" sz="2400" dirty="0">
+                <a:solidFill>
+                  <a:schemeClr val="tx1"/>
+                </a:solidFill>
+                <a:latin typeface="Times New Roman" panose="02020603050405020304" pitchFamily="18" charset="0"/>
+                <a:cs typeface="Times New Roman" panose="02020603050405020304" pitchFamily="18" charset="0"/>
+              </a:rPr>
+              <a:t>Greedy algorithms build a solution part by part. This approach is mainly used to solve optimization problems.</a:t>
+            </a:r>
+          </a:p>
+          <a:p>
+            <a:r>
+              <a:rPr lang="en-US" sz="2400" dirty="0">
+                <a:solidFill>
+                  <a:schemeClr val="tx1"/>
+                </a:solidFill>
+                <a:latin typeface="Times New Roman" panose="02020603050405020304" pitchFamily="18" charset="0"/>
+                <a:cs typeface="Times New Roman" panose="02020603050405020304" pitchFamily="18" charset="0"/>
+              </a:rPr>
+              <a:t>Greedy method is easy to implement and quite efficient in most of the cases. There are three criteria to solve the 0/1 knapsack problem:</a:t>
+            </a:r>
+          </a:p>
+          <a:p>
+            <a:pPr marL="0" indent="0">
+              <a:buNone/>
+            </a:pPr>
+            <a:r>
+              <a:rPr lang="en-US" sz="2400" dirty="0">
+                <a:solidFill>
+                  <a:schemeClr val="tx1"/>
+                </a:solidFill>
+                <a:latin typeface="Times New Roman" panose="02020603050405020304" pitchFamily="18" charset="0"/>
+                <a:cs typeface="Times New Roman" panose="02020603050405020304" pitchFamily="18" charset="0"/>
+              </a:rPr>
+              <a:t>	•	Select object with maximum Profit.</a:t>
+            </a:r>
+          </a:p>
+          <a:p>
+            <a:pPr marL="0" indent="0">
+              <a:buNone/>
+            </a:pPr>
+            <a:r>
+              <a:rPr lang="en-US" sz="2400" dirty="0">
+                <a:solidFill>
+                  <a:schemeClr val="tx1"/>
+                </a:solidFill>
+                <a:latin typeface="Times New Roman" panose="02020603050405020304" pitchFamily="18" charset="0"/>
+                <a:cs typeface="Times New Roman" panose="02020603050405020304" pitchFamily="18" charset="0"/>
+              </a:rPr>
+              <a:t>	•	Select object with minimum Weight.</a:t>
+            </a:r>
+          </a:p>
+          <a:p>
+            <a:pPr marL="0" indent="0">
+              <a:buNone/>
+            </a:pPr>
+            <a:r>
+              <a:rPr lang="en-US" sz="2400" dirty="0">
+                <a:solidFill>
+                  <a:schemeClr val="tx1"/>
+                </a:solidFill>
+                <a:latin typeface="Times New Roman" panose="02020603050405020304" pitchFamily="18" charset="0"/>
+                <a:cs typeface="Times New Roman" panose="02020603050405020304" pitchFamily="18" charset="0"/>
+              </a:rPr>
+              <a:t>	•	Select object with maximum Density (Profile/Weight)</a:t>
+            </a:r>
+          </a:p>
+          <a:p>
+            <a:endParaRPr lang="en-US" sz="2400" i="1" dirty="0" smtClean="0">
+              <a:solidFill>
+                <a:schemeClr val="tx1"/>
+              </a:solidFill>
+              <a:latin typeface="Times New Roman" panose="02020603050405020304" pitchFamily="18" charset="0"/>
+              <a:cs typeface="Times New Roman" panose="02020603050405020304" pitchFamily="18" charset="0"/>
+            </a:endParaRPr>
+          </a:p>
+        </p:txBody>
+      </p:sp>
+    </p:spTree>
+    <p:extLst>
+      <p:ext uri="{BB962C8B-B14F-4D97-AF65-F5344CB8AC3E}">
+        <p14:creationId xmlns:p14="http://schemas.microsoft.com/office/powerpoint/2010/main" val="3892046800"/>
+      </p:ext>
+    </p:extLst>
+  </p:cSld>
+  <p:clrMapOvr>
+    <a:masterClrMapping/>
+  </p:clrMapOvr>
+  <mc:AlternateContent xmlns:mc="http://schemas.openxmlformats.org/markup-compatibility/2006" xmlns:p14="http://schemas.microsoft.com/office/powerpoint/2010/main">
+    <mc:Choice Requires="p14">
+      <p:transition spd="med" p14:dur="700">
+        <p:fade/>
+      </p:transition>
+    </mc:Choice>
+    <mc:Fallback xmlns="">
+      <p:transition spd="med">
+        <p:fade/>
+      </p:transition>
+    </mc:Fallback>
+  </mc:AlternateContent>
+  <p:timing>
+    <p:tnLst>
+      <p:par>
+        <p:cTn id="1" dur="indefinite" restart="never" nodeType="tmRoot"/>
+      </p:par>
+    </p:tnLst>
+  </p:timing>
+</p:sld>
+</file>
+
+<file path=ppt/slides/slide8.xml><?xml version="1.0" encoding="utf-8"?>
+<p:sld xmlns:a="http://schemas.openxmlformats.org/drawingml/2006/main" xmlns:r="http://schemas.openxmlformats.org/officeDocument/2006/relationships" xmlns:p="http://schemas.openxmlformats.org/presentationml/2006/main">
+  <p:cSld>
+    <p:spTree>
+      <p:nvGrpSpPr>
+        <p:cNvPr id="1" name=""/>
+        <p:cNvGrpSpPr/>
+        <p:nvPr/>
+      </p:nvGrpSpPr>
+      <p:grpSpPr>
+        <a:xfrm>
+          <a:off x="0" y="0"/>
+          <a:ext cx="0" cy="0"/>
+          <a:chOff x="0" y="0"/>
+          <a:chExt cx="0" cy="0"/>
+        </a:xfrm>
+      </p:grpSpPr>
+      <p:sp>
+        <p:nvSpPr>
+          <p:cNvPr id="2" name="Title 1"/>
+          <p:cNvSpPr>
+            <a:spLocks noGrp="1"/>
+          </p:cNvSpPr>
+          <p:nvPr>
+            <p:ph type="title"/>
+          </p:nvPr>
+        </p:nvSpPr>
+        <p:spPr/>
+        <p:txBody>
+          <a:bodyPr/>
+          <a:lstStyle/>
+          <a:p>
+            <a:r>
+              <a:rPr lang="en-US" dirty="0" smtClean="0"/>
+              <a:t>ALGORITHM AND TIME COMPLEXITY</a:t>
+            </a:r>
+            <a:endParaRPr lang="en-US" dirty="0"/>
+          </a:p>
+        </p:txBody>
+      </p:sp>
+      <p:sp>
+        <p:nvSpPr>
+          <p:cNvPr id="3" name="Content Placeholder 2"/>
+          <p:cNvSpPr>
+            <a:spLocks noGrp="1"/>
+          </p:cNvSpPr>
+          <p:nvPr>
+            <p:ph idx="1"/>
+          </p:nvPr>
+        </p:nvSpPr>
+        <p:spPr/>
+        <p:txBody>
+          <a:bodyPr/>
+          <a:lstStyle/>
+          <a:p>
+            <a:r>
+              <a:rPr lang="en-US" sz="2400" dirty="0">
+                <a:solidFill>
+                  <a:schemeClr val="tx1"/>
+                </a:solidFill>
+                <a:latin typeface="Times New Roman" panose="02020603050405020304" pitchFamily="18" charset="0"/>
+                <a:cs typeface="Times New Roman" panose="02020603050405020304" pitchFamily="18" charset="0"/>
+              </a:rPr>
+              <a:t>What is the time complexity of 0-1 Knapsack?</a:t>
+            </a:r>
+          </a:p>
+          <a:p>
+            <a:pPr marL="0" indent="0">
+              <a:buNone/>
+            </a:pPr>
+            <a:r>
+              <a:rPr lang="en-US" sz="2400" dirty="0">
+                <a:solidFill>
+                  <a:schemeClr val="tx1"/>
+                </a:solidFill>
+                <a:latin typeface="Times New Roman" panose="02020603050405020304" pitchFamily="18" charset="0"/>
+                <a:cs typeface="Times New Roman" panose="02020603050405020304" pitchFamily="18" charset="0"/>
+              </a:rPr>
+              <a:t>	Time complexity of 0-1 Knapsack problem is O(</a:t>
+            </a:r>
+            <a:r>
+              <a:rPr lang="en-US" sz="2400" dirty="0" err="1">
+                <a:solidFill>
+                  <a:schemeClr val="tx1"/>
+                </a:solidFill>
+                <a:latin typeface="Times New Roman" panose="02020603050405020304" pitchFamily="18" charset="0"/>
+                <a:cs typeface="Times New Roman" panose="02020603050405020304" pitchFamily="18" charset="0"/>
+              </a:rPr>
+              <a:t>nW</a:t>
+            </a:r>
+            <a:r>
+              <a:rPr lang="en-US" sz="2400" dirty="0">
+                <a:solidFill>
+                  <a:schemeClr val="tx1"/>
+                </a:solidFill>
+                <a:latin typeface="Times New Roman" panose="02020603050405020304" pitchFamily="18" charset="0"/>
+                <a:cs typeface="Times New Roman" panose="02020603050405020304" pitchFamily="18" charset="0"/>
+              </a:rPr>
+              <a:t>) where, n is the number of items and W is the capacity of knapsack.</a:t>
+            </a:r>
+          </a:p>
+          <a:p>
+            <a:endParaRPr lang="en-US" dirty="0"/>
+          </a:p>
+          <a:p>
+            <a:endParaRPr lang="en-US" dirty="0"/>
+          </a:p>
+        </p:txBody>
+      </p:sp>
+    </p:spTree>
+    <p:extLst>
+      <p:ext uri="{BB962C8B-B14F-4D97-AF65-F5344CB8AC3E}">
+        <p14:creationId xmlns:p14="http://schemas.microsoft.com/office/powerpoint/2010/main" val="2839988415"/>
+      </p:ext>
+    </p:extLst>
+  </p:cSld>
+  <p:clrMapOvr>
+    <a:masterClrMapping/>
+  </p:clrMapOvr>
+  <mc:AlternateContent xmlns:mc="http://schemas.openxmlformats.org/markup-compatibility/2006" xmlns:p14="http://schemas.microsoft.com/office/powerpoint/2010/main">
+    <mc:Choice Requires="p14">
+      <p:transition spd="med" p14:dur="700">
+        <p:fade/>
+      </p:transition>
+    </mc:Choice>
+    <mc:Fallback xmlns="">
+      <p:transition spd="med">
+        <p:fade/>
+      </p:transition>
+    </mc:Fallback>
+  </mc:AlternateContent>
+  <p:timing>
+    <p:tnLst>
+      <p:par>
+        <p:cTn id="1" dur="indefinite" restart="never" nodeType="tmRoot"/>
+      </p:par>
+    </p:tnLst>
+  </p:timing>
+</p:sld>
+</file>
+
+<file path=ppt/slides/slide9.xml><?xml version="1.0" encoding="utf-8"?>
+<p:sld xmlns:a="http://schemas.openxmlformats.org/drawingml/2006/main" xmlns:r="http://schemas.openxmlformats.org/officeDocument/2006/relationships" xmlns:p="http://schemas.openxmlformats.org/presentationml/2006/main">
+  <p:cSld>
+    <p:spTree>
+      <p:nvGrpSpPr>
+        <p:cNvPr id="1" name=""/>
+        <p:cNvGrpSpPr/>
+        <p:nvPr/>
+      </p:nvGrpSpPr>
+      <p:grpSpPr>
+        <a:xfrm>
+          <a:off x="0" y="0"/>
+          <a:ext cx="0" cy="0"/>
+          <a:chOff x="0" y="0"/>
+          <a:chExt cx="0" cy="0"/>
+        </a:xfrm>
+      </p:grpSpPr>
+      <p:sp>
+        <p:nvSpPr>
+          <p:cNvPr id="2" name="Title 1"/>
+          <p:cNvSpPr>
+            <a:spLocks noGrp="1"/>
+          </p:cNvSpPr>
+          <p:nvPr>
+            <p:ph type="title"/>
+          </p:nvPr>
+        </p:nvSpPr>
+        <p:spPr>
+          <a:xfrm>
+            <a:off x="677334" y="609600"/>
+            <a:ext cx="8596668" cy="867508"/>
+          </a:xfrm>
+        </p:spPr>
+        <p:txBody>
+          <a:bodyPr/>
+          <a:lstStyle/>
+          <a:p>
+            <a:r>
+              <a:rPr lang="en-US" b="1" u="sng" dirty="0"/>
+              <a:t>What Actually Project is</a:t>
+            </a:r>
+            <a:r>
+              <a:rPr lang="en-US" b="1" u="sng" dirty="0" smtClean="0"/>
+              <a:t>?</a:t>
+            </a:r>
+            <a:endParaRPr lang="en-US" dirty="0"/>
+          </a:p>
+        </p:txBody>
+      </p:sp>
+      <p:sp>
+        <p:nvSpPr>
+          <p:cNvPr id="3" name="Content Placeholder 2"/>
+          <p:cNvSpPr>
+            <a:spLocks noGrp="1"/>
+          </p:cNvSpPr>
+          <p:nvPr>
+            <p:ph idx="1"/>
+          </p:nvPr>
+        </p:nvSpPr>
+        <p:spPr/>
+        <p:txBody>
+          <a:bodyPr>
+            <a:normAutofit/>
+          </a:bodyPr>
+          <a:lstStyle/>
+          <a:p>
+            <a:r>
+              <a:rPr lang="en-US" sz="2400" dirty="0">
+                <a:solidFill>
+                  <a:schemeClr val="tx1"/>
+                </a:solidFill>
+                <a:latin typeface="Times New Roman" panose="02020603050405020304" pitchFamily="18" charset="0"/>
+                <a:cs typeface="Times New Roman" panose="02020603050405020304" pitchFamily="18" charset="0"/>
+              </a:rPr>
+              <a:t>A transportation company has to transport items. If item has some weight and each truck can carry items with total some limited weight, this project will give the ideal amount for the trucks to carry as much weight as possible.</a:t>
+            </a:r>
+          </a:p>
+        </p:txBody>
+      </p:sp>
+    </p:spTree>
+    <p:extLst>
+      <p:ext uri="{BB962C8B-B14F-4D97-AF65-F5344CB8AC3E}">
+        <p14:creationId xmlns:p14="http://schemas.microsoft.com/office/powerpoint/2010/main" val="1955909488"/>
+      </p:ext>
+    </p:extLst>
+  </p:cSld>
+  <p:clrMapOvr>
+    <a:masterClrMapping/>
+  </p:clrMapOvr>
+  <mc:AlternateContent xmlns:mc="http://schemas.openxmlformats.org/markup-compatibility/2006" xmlns:p14="http://schemas.microsoft.com/office/powerpoint/2010/main">
+    <mc:Choice Requires="p14">
+      <p:transition spd="med" p14:dur="700">
+        <p:fade/>
+      </p:transition>
+    </mc:Choice>
+    <mc:Fallback xmlns="">
+      <p:transition spd="med">
+        <p:fade/>
+      </p:transition>
+    </mc:Fallback>
+  </mc:AlternateContent>
+  <p:timing>
+    <p:tnLst>
+      <p:par>
+        <p:cTn id="1" dur="indefinite" restart="never" nodeType="tmRoot"/>
+      </p:par>
+    </p:tnLst>
+  </p:timing>
+</p:sld>
+</file>
+
 <file path=ppt/theme/theme1.xml><?xml version="1.0" encoding="utf-8"?>
 <a:theme xmlns:a="http://schemas.openxmlformats.org/drawingml/2006/main" name="Facet">
   <a:themeElements>
@@ -8274,7 +8323,7 @@
     </a:clrScheme>
     <a:fontScheme name="Facet">
       <a:majorFont>
-        <a:latin typeface="Trebuchet MS" panose="020B0603020202020204"/>
+        <a:latin typeface="Trebuchet MS"/>
         <a:ea typeface=""/>
         <a:cs typeface=""/>
         <a:font script="Jpan" typeface="メイリオ"/>
@@ -8309,7 +8358,7 @@
         <a:font script="Geor" typeface="Sylfaen"/>
       </a:majorFont>
       <a:minorFont>
-        <a:latin typeface="Trebuchet MS" panose="020B0603020202020204"/>
+        <a:latin typeface="Trebuchet MS"/>
         <a:ea typeface=""/>
         <a:cs typeface=""/>
         <a:font script="Jpan" typeface="メイリオ"/>
@@ -8531,7 +8580,7 @@
     </a:clrScheme>
     <a:fontScheme name="Arial">
       <a:majorFont>
-        <a:latin typeface="Arial" panose="020B0604020202020204"/>
+        <a:latin typeface="Arial"/>
         <a:ea typeface=""/>
         <a:cs typeface=""/>
         <a:font script="Jpan" typeface="ＭＳ ゴシック"/>
@@ -8566,7 +8615,7 @@
         <a:font script="Geor" typeface="Sylfaen"/>
       </a:majorFont>
       <a:minorFont>
-        <a:latin typeface="Arial" panose="020B0604020202020204"/>
+        <a:latin typeface="Arial"/>
         <a:ea typeface=""/>
         <a:cs typeface=""/>
         <a:font script="Jpan" typeface="ＭＳ ゴシック"/>
@@ -8826,7 +8875,7 @@
     </a:clrScheme>
     <a:fontScheme name="Arial">
       <a:majorFont>
-        <a:latin typeface="Arial" panose="020B0604020202020204"/>
+        <a:latin typeface="Arial"/>
         <a:ea typeface=""/>
         <a:cs typeface=""/>
         <a:font script="Jpan" typeface="ＭＳ ゴシック"/>
@@ -8861,7 +8910,7 @@
         <a:font script="Geor" typeface="Sylfaen"/>
       </a:majorFont>
       <a:minorFont>
-        <a:latin typeface="Arial" panose="020B0604020202020204"/>
+        <a:latin typeface="Arial"/>
         <a:ea typeface=""/>
         <a:cs typeface=""/>
         <a:font script="Jpan" typeface="ＭＳ ゴシック"/>
@@ -9079,6 +9128,26 @@
 </file>
 
 <file path=customXml/item1.xml><?xml version="1.0" encoding="utf-8"?>
+<p:properties xmlns:p="http://schemas.microsoft.com/office/2006/metadata/properties" xmlns:xsi="http://www.w3.org/2001/XMLSchema-instance" xmlns:pc="http://schemas.microsoft.com/office/infopath/2007/PartnerControls">
+  <documentManagement>
+    <VSO_x0020_item_x0020_id xmlns="40262f94-9f35-4ac3-9a90-690165a166b7" xsi:nil="true"/>
+    <Assetid_x0020_ xmlns="40262f94-9f35-4ac3-9a90-690165a166b7" xsi:nil="true"/>
+    <Item_x0020_Details xmlns="40262f94-9f35-4ac3-9a90-690165a166b7" xsi:nil="true"/>
+    <Template_x0020_details xmlns="40262f94-9f35-4ac3-9a90-690165a166b7" xsi:nil="true"/>
+  </documentManagement>
+</p:properties>
+</file>
+
+<file path=customXml/item2.xml><?xml version="1.0" encoding="utf-8"?>
+<?mso-contentType ?>
+<FormTemplates xmlns="http://schemas.microsoft.com/sharepoint/v3/contenttype/forms">
+  <Display>DocumentLibraryForm</Display>
+  <Edit>DocumentLibraryForm</Edit>
+  <New>DocumentLibraryForm</New>
+</FormTemplates>
+</file>
+
+<file path=customXml/item3.xml><?xml version="1.0" encoding="utf-8"?>
 <ct:contentTypeSchema xmlns:ct="http://schemas.microsoft.com/office/2006/metadata/contentType" xmlns:ma="http://schemas.microsoft.com/office/2006/metadata/properties/metaAttributes" ct:_="" ma:_="" ma:contentTypeName="Document" ma:contentTypeID="0x010100AA3F7D94069FF64A86F7DFF56D60E3BE" ma:contentTypeVersion="6" ma:contentTypeDescription="Create a new document." ma:contentTypeScope="" ma:versionID="c32302c77d4085ecf495bdddb7f5e889">
   <xsd:schema xmlns:xsd="http://www.w3.org/2001/XMLSchema" xmlns:xs="http://www.w3.org/2001/XMLSchema" xmlns:p="http://schemas.microsoft.com/office/2006/metadata/properties" xmlns:ns2="a4f35948-e619-41b3-aa29-22878b09cfd2" xmlns:ns3="40262f94-9f35-4ac3-9a90-690165a166b7" targetNamespace="http://schemas.microsoft.com/office/2006/metadata/properties" ma:root="true" ma:fieldsID="4ab5ae46be95f9d0be6107e8200be7a2" ns2:_="" ns3:_="">
     <xsd:import namespace="a4f35948-e619-41b3-aa29-22878b09cfd2"/>
@@ -9259,27 +9328,32 @@
 </ct:contentTypeSchema>
 </file>
 
-<file path=customXml/item2.xml><?xml version="1.0" encoding="utf-8"?>
-<p:properties xmlns:p="http://schemas.microsoft.com/office/2006/metadata/properties" xmlns:xsi="http://www.w3.org/2001/XMLSchema-instance" xmlns:pc="http://schemas.microsoft.com/office/infopath/2007/PartnerControls">
-  <documentManagement>
-    <VSO_x0020_item_x0020_id xmlns="40262f94-9f35-4ac3-9a90-690165a166b7" xsi:nil="true"/>
-    <Assetid_x0020_ xmlns="40262f94-9f35-4ac3-9a90-690165a166b7" xsi:nil="true"/>
-    <Item_x0020_Details xmlns="40262f94-9f35-4ac3-9a90-690165a166b7" xsi:nil="true"/>
-    <Template_x0020_details xmlns="40262f94-9f35-4ac3-9a90-690165a166b7" xsi:nil="true"/>
-  </documentManagement>
-</p:properties>
+<file path=customXml/itemProps1.xml><?xml version="1.0" encoding="utf-8"?>
+<ds:datastoreItem xmlns:ds="http://schemas.openxmlformats.org/officeDocument/2006/customXml" ds:itemID="{8AFFFBF3-BB42-47F7-806D-D5417A96E6A8}">
+  <ds:schemaRefs>
+    <ds:schemaRef ds:uri="a4f35948-e619-41b3-aa29-22878b09cfd2"/>
+    <ds:schemaRef ds:uri="http://www.w3.org/XML/1998/namespace"/>
+    <ds:schemaRef ds:uri="http://purl.org/dc/terms/"/>
+    <ds:schemaRef ds:uri="http://schemas.microsoft.com/office/2006/documentManagement/types"/>
+    <ds:schemaRef ds:uri="http://schemas.microsoft.com/office/2006/metadata/properties"/>
+    <ds:schemaRef ds:uri="http://purl.org/dc/elements/1.1/"/>
+    <ds:schemaRef ds:uri="http://schemas.openxmlformats.org/package/2006/metadata/core-properties"/>
+    <ds:schemaRef ds:uri="http://schemas.microsoft.com/office/infopath/2007/PartnerControls"/>
+    <ds:schemaRef ds:uri="40262f94-9f35-4ac3-9a90-690165a166b7"/>
+    <ds:schemaRef ds:uri="http://purl.org/dc/dcmitype/"/>
+  </ds:schemaRefs>
+</ds:datastoreItem>
 </file>
 
-<file path=customXml/item3.xml><?xml version="1.0" encoding="utf-8"?>
-<?mso-contentType ?>
-<FormTemplates xmlns="http://schemas.microsoft.com/sharepoint/v3/contenttype/forms">
-  <Display>DocumentLibraryForm</Display>
-  <Edit>DocumentLibraryForm</Edit>
-  <New>DocumentLibraryForm</New>
-</FormTemplates>
+<file path=customXml/itemProps2.xml><?xml version="1.0" encoding="utf-8"?>
+<ds:datastoreItem xmlns:ds="http://schemas.openxmlformats.org/officeDocument/2006/customXml" ds:itemID="{4FC28D37-012A-4F78-8189-E37D3400689D}">
+  <ds:schemaRefs>
+    <ds:schemaRef ds:uri="http://schemas.microsoft.com/sharepoint/v3/contenttype/forms"/>
+  </ds:schemaRefs>
+</ds:datastoreItem>
 </file>
 
-<file path=customXml/itemProps1.xml><?xml version="1.0" encoding="utf-8"?>
+<file path=customXml/itemProps3.xml><?xml version="1.0" encoding="utf-8"?>
 <ds:datastoreItem xmlns:ds="http://schemas.openxmlformats.org/officeDocument/2006/customXml" ds:itemID="{B6B1B62E-928A-4006-B97D-326E5E8B4F15}">
   <ds:schemaRefs>
     <ds:schemaRef ds:uri="http://schemas.microsoft.com/office/2006/metadata/contentType"/>
@@ -9296,29 +9370,4 @@
     <ds:schemaRef ds:uri="http://schemas.microsoft.com/internal/obd"/>
   </ds:schemaRefs>
 </ds:datastoreItem>
-</file>
-
-<file path=customXml/itemProps2.xml><?xml version="1.0" encoding="utf-8"?>
-<ds:datastoreItem xmlns:ds="http://schemas.openxmlformats.org/officeDocument/2006/customXml" ds:itemID="{8AFFFBF3-BB42-47F7-806D-D5417A96E6A8}">
-  <ds:schemaRefs>
-    <ds:schemaRef ds:uri="a4f35948-e619-41b3-aa29-22878b09cfd2"/>
-    <ds:schemaRef ds:uri="http://www.w3.org/XML/1998/namespace"/>
-    <ds:schemaRef ds:uri="http://purl.org/dc/terms/"/>
-    <ds:schemaRef ds:uri="http://schemas.microsoft.com/office/2006/documentManagement/types"/>
-    <ds:schemaRef ds:uri="http://schemas.microsoft.com/office/2006/metadata/properties"/>
-    <ds:schemaRef ds:uri="http://purl.org/dc/elements/1.1/"/>
-    <ds:schemaRef ds:uri="http://schemas.openxmlformats.org/package/2006/metadata/core-properties"/>
-    <ds:schemaRef ds:uri="http://schemas.microsoft.com/office/infopath/2007/PartnerControls"/>
-    <ds:schemaRef ds:uri="40262f94-9f35-4ac3-9a90-690165a166b7"/>
-    <ds:schemaRef ds:uri="http://purl.org/dc/dcmitype/"/>
-  </ds:schemaRefs>
-</ds:datastoreItem>
-</file>
-
-<file path=customXml/itemProps3.xml><?xml version="1.0" encoding="utf-8"?>
-<ds:datastoreItem xmlns:ds="http://schemas.openxmlformats.org/officeDocument/2006/customXml" ds:itemID="{4FC28D37-012A-4F78-8189-E37D3400689D}">
-  <ds:schemaRefs>
-    <ds:schemaRef ds:uri="http://schemas.microsoft.com/sharepoint/v3/contenttype/forms"/>
-  </ds:schemaRefs>
-</ds:datastoreItem>
 </file>